--- a/CastReporting.Reporting/TemplatesFiles/Generic Table Definition.pptx
+++ b/CastReporting.Reporting/TemplatesFiles/Generic Table Definition.pptx
@@ -219,7 +219,7 @@
           <a:p>
             <a:fld id="{BE7CF963-E58D-FC4D-BA9E-60A980752DC6}" type="datetimeFigureOut">
               <a:rPr lang="en-US" smtClean="0"/>
-              <a:t>2/28/2017</a:t>
+              <a:t>3/28/2017</a:t>
             </a:fld>
             <a:endParaRPr lang="en-US"/>
           </a:p>
@@ -876,7 +876,7 @@
           <a:p>
             <a:fld id="{B590C078-9131-4E49-8A0D-400FEE8377B5}" type="datetimeFigureOut">
               <a:rPr lang="en-US" smtClean="0"/>
-              <a:t>2/28/2017</a:t>
+              <a:t>3/28/2017</a:t>
             </a:fld>
             <a:endParaRPr lang="en-US"/>
           </a:p>
@@ -4461,7 +4461,7 @@
           <a:p>
             <a:fld id="{B590C078-9131-4E49-8A0D-400FEE8377B5}" type="datetimeFigureOut">
               <a:rPr lang="en-US" smtClean="0"/>
-              <a:t>2/28/2017</a:t>
+              <a:t>3/28/2017</a:t>
             </a:fld>
             <a:endParaRPr lang="en-US"/>
           </a:p>
@@ -8539,7 +8539,7 @@
           <a:p>
             <a:fld id="{B590C078-9131-4E49-8A0D-400FEE8377B5}" type="datetimeFigureOut">
               <a:rPr lang="en-US" smtClean="0"/>
-              <a:t>2/28/2017</a:t>
+              <a:t>3/28/2017</a:t>
             </a:fld>
             <a:endParaRPr lang="en-US"/>
           </a:p>
@@ -12364,7 +12364,7 @@
           <a:p>
             <a:fld id="{B590C078-9131-4E49-8A0D-400FEE8377B5}" type="datetimeFigureOut">
               <a:rPr lang="en-US" smtClean="0"/>
-              <a:t>2/28/2017</a:t>
+              <a:t>3/28/2017</a:t>
             </a:fld>
             <a:endParaRPr lang="en-US"/>
           </a:p>
@@ -15840,8 +15840,12 @@
           <a:lstStyle/>
           <a:p>
             <a:r>
+              <a:rPr lang="en-GB"/>
+              <a:t>COL 1: </a:t>
+            </a:r>
+            <a:r>
               <a:rPr lang="en-GB" dirty="0"/>
-              <a:t>COL 1,: 1</a:t>
+              <a:t>1</a:t>
             </a:r>
             <a:r>
               <a:rPr lang="en-GB" baseline="30000" dirty="0"/>

--- a/CastReporting.Reporting/TemplatesFiles/Generic Table Definition.pptx
+++ b/CastReporting.Reporting/TemplatesFiles/Generic Table Definition.pptx
@@ -137,6 +137,10 @@
 </p:presentation>
 </file>
 
+<file path=ppt/revisionInfo.xml><?xml version="1.0" encoding="utf-8"?>
+<p1510:revInfo xmlns:a="http://schemas.openxmlformats.org/drawingml/2006/main" xmlns:r="http://schemas.openxmlformats.org/officeDocument/2006/relationships" xmlns:p1510="http://schemas.microsoft.com/office/powerpoint/2015/10/main"/>
+</file>
+
 <file path=ppt/notesMasters/notesMaster1.xml><?xml version="1.0" encoding="utf-8"?>
 <p:notesMaster xmlns:a="http://schemas.openxmlformats.org/drawingml/2006/main" xmlns:r="http://schemas.openxmlformats.org/officeDocument/2006/relationships" xmlns:p="http://schemas.openxmlformats.org/presentationml/2006/main">
   <p:cSld>
@@ -219,7 +223,7 @@
           <a:p>
             <a:fld id="{BE7CF963-E58D-FC4D-BA9E-60A980752DC6}" type="datetimeFigureOut">
               <a:rPr lang="en-US" smtClean="0"/>
-              <a:t>3/28/2017</a:t>
+              <a:t>5/2/2017</a:t>
             </a:fld>
             <a:endParaRPr lang="en-US"/>
           </a:p>
@@ -876,7 +880,7 @@
           <a:p>
             <a:fld id="{B590C078-9131-4E49-8A0D-400FEE8377B5}" type="datetimeFigureOut">
               <a:rPr lang="en-US" smtClean="0"/>
-              <a:t>3/28/2017</a:t>
+              <a:t>5/2/2017</a:t>
             </a:fld>
             <a:endParaRPr lang="en-US"/>
           </a:p>
@@ -4461,7 +4465,7 @@
           <a:p>
             <a:fld id="{B590C078-9131-4E49-8A0D-400FEE8377B5}" type="datetimeFigureOut">
               <a:rPr lang="en-US" smtClean="0"/>
-              <a:t>3/28/2017</a:t>
+              <a:t>5/2/2017</a:t>
             </a:fld>
             <a:endParaRPr lang="en-US"/>
           </a:p>
@@ -8539,7 +8543,7 @@
           <a:p>
             <a:fld id="{B590C078-9131-4E49-8A0D-400FEE8377B5}" type="datetimeFigureOut">
               <a:rPr lang="en-US" smtClean="0"/>
-              <a:t>3/28/2017</a:t>
+              <a:t>5/2/2017</a:t>
             </a:fld>
             <a:endParaRPr lang="en-US"/>
           </a:p>
@@ -12364,7 +12368,7 @@
           <a:p>
             <a:fld id="{B590C078-9131-4E49-8A0D-400FEE8377B5}" type="datetimeFigureOut">
               <a:rPr lang="en-US" smtClean="0"/>
-              <a:t>3/28/2017</a:t>
+              <a:t>5/2/2017</a:t>
             </a:fld>
             <a:endParaRPr lang="en-US"/>
           </a:p>
@@ -14134,8 +14138,12 @@
               <a:t>VIOLATIONS</a:t>
             </a:r>
             <a:r>
+              <a:rPr lang="en-GB"/>
+              <a:t>: if </a:t>
+            </a:r>
+            <a:r>
               <a:rPr lang="en-GB" dirty="0"/>
-              <a:t>: f no information filled, then default value is "ALL"</a:t>
+              <a:t>no information filled, then default value is "ALL"</a:t>
             </a:r>
             <a:endParaRPr lang="en-US" dirty="0"/>
           </a:p>
@@ -16788,14 +16796,14 @@
           <a:p>
             <a:r>
               <a:rPr lang="en-GB" dirty="0"/>
-              <a:t>Simple table to get all Health Factors scores for current and previous snapshot</a:t>
+              <a:t>Simple table to get all Health Factors scores for current and previous snapshot with their evolution</a:t>
             </a:r>
             <a:endParaRPr lang="en-US" dirty="0"/>
           </a:p>
           <a:p>
             <a:r>
               <a:rPr lang="en-US" sz="1500" dirty="0"/>
-              <a:t>TABLE;GENERIC_TABLE;COL1=METRICS,ROW1=SNAPSHOTS,METRICS=HEALTH_FACTOR,SNAPSHOTS=CURRENT|PREVIOUS</a:t>
+              <a:t>TABLE;GENERIC_TABLE;COL1=METRICS,ROW1=SNAPSHOTS,METRICS=HEALTH_FACTOR,SNAPSHOTS=ALL</a:t>
             </a:r>
             <a:endParaRPr lang="en-US" dirty="0"/>
           </a:p>
@@ -17631,14 +17639,14 @@
           <p:nvPr>
             <p:extLst>
               <p:ext uri="{D42A27DB-BD31-4B8C-83A1-F6EECF244321}">
-                <p14:modId xmlns:p14="http://schemas.microsoft.com/office/powerpoint/2010/main" val="14219112"/>
+                <p14:modId xmlns:p14="http://schemas.microsoft.com/office/powerpoint/2010/main" val="2230846658"/>
               </p:ext>
             </p:extLst>
           </p:nvPr>
         </p:nvGraphicFramePr>
         <p:xfrm>
-          <a:off x="3441843" y="5689332"/>
-          <a:ext cx="7061590" cy="685800"/>
+          <a:off x="3441843" y="5470120"/>
+          <a:ext cx="7061590" cy="1143000"/>
         </p:xfrm>
         <a:graphic>
           <a:graphicData uri="http://schemas.openxmlformats.org/drawingml/2006/table">
@@ -18106,42 +18114,10 @@
                         </a:spcAft>
                       </a:pPr>
                       <a:r>
-                        <a:rPr lang="en-GB" sz="1000">
+                        <a:rPr lang="en-GB" sz="1000" dirty="0">
                           <a:effectLst/>
                         </a:rPr>
                         <a:t>Previous</a:t>
-                      </a:r>
-                      <a:endParaRPr lang="en-US" sz="1100">
-                        <a:effectLst/>
-                        <a:latin typeface="Calibri" panose="020F0502020204030204" pitchFamily="34" charset="0"/>
-                        <a:ea typeface="Calibri" panose="020F0502020204030204" pitchFamily="34" charset="0"/>
-                        <a:cs typeface="Times New Roman" panose="02020603050405020304" pitchFamily="18" charset="0"/>
-                      </a:endParaRPr>
-                    </a:p>
-                  </a:txBody>
-                  <a:tcPr marL="68580" marR="68580" marT="0" marB="0" anchor="ctr"/>
-                </a:tc>
-                <a:tc>
-                  <a:txBody>
-                    <a:bodyPr/>
-                    <a:lstStyle/>
-                    <a:p>
-                      <a:pPr marL="0" marR="0" algn="ctr">
-                        <a:lnSpc>
-                          <a:spcPct val="115000"/>
-                        </a:lnSpc>
-                        <a:spcBef>
-                          <a:spcPts val="0"/>
-                        </a:spcBef>
-                        <a:spcAft>
-                          <a:spcPts val="0"/>
-                        </a:spcAft>
-                      </a:pPr>
-                      <a:r>
-                        <a:rPr lang="en-GB" sz="1000" dirty="0">
-                          <a:effectLst/>
-                        </a:rPr>
-                        <a:t>score</a:t>
                       </a:r>
                       <a:endParaRPr lang="en-US" sz="1100" dirty="0">
                         <a:effectLst/>
@@ -18281,9 +18257,409 @@
                   </a:txBody>
                   <a:tcPr marL="68580" marR="68580" marT="0" marB="0" anchor="ctr"/>
                 </a:tc>
+                <a:tc>
+                  <a:txBody>
+                    <a:bodyPr/>
+                    <a:lstStyle/>
+                    <a:p>
+                      <a:pPr marL="0" marR="0" algn="ctr">
+                        <a:lnSpc>
+                          <a:spcPct val="115000"/>
+                        </a:lnSpc>
+                        <a:spcBef>
+                          <a:spcPts val="0"/>
+                        </a:spcBef>
+                        <a:spcAft>
+                          <a:spcPts val="0"/>
+                        </a:spcAft>
+                      </a:pPr>
+                      <a:r>
+                        <a:rPr lang="en-GB" sz="1000" dirty="0">
+                          <a:effectLst/>
+                        </a:rPr>
+                        <a:t>score</a:t>
+                      </a:r>
+                      <a:endParaRPr lang="en-US" sz="1100" dirty="0">
+                        <a:effectLst/>
+                        <a:latin typeface="Calibri" panose="020F0502020204030204" pitchFamily="34" charset="0"/>
+                        <a:ea typeface="Calibri" panose="020F0502020204030204" pitchFamily="34" charset="0"/>
+                        <a:cs typeface="Times New Roman" panose="02020603050405020304" pitchFamily="18" charset="0"/>
+                      </a:endParaRPr>
+                    </a:p>
+                  </a:txBody>
+                  <a:tcPr marL="68580" marR="68580" marT="0" marB="0" anchor="ctr"/>
+                </a:tc>
                 <a:extLst>
                   <a:ext uri="{0D108BD9-81ED-4DB2-BD59-A6C34878D82A}">
                     <a16:rowId xmlns:a16="http://schemas.microsoft.com/office/drawing/2014/main" val="3806502871"/>
+                  </a:ext>
+                </a:extLst>
+              </a:tr>
+              <a:tr h="228600">
+                <a:tc>
+                  <a:txBody>
+                    <a:bodyPr/>
+                    <a:lstStyle/>
+                    <a:p>
+                      <a:pPr marL="0" marR="0">
+                        <a:lnSpc>
+                          <a:spcPct val="115000"/>
+                        </a:lnSpc>
+                        <a:spcBef>
+                          <a:spcPts val="0"/>
+                        </a:spcBef>
+                        <a:spcAft>
+                          <a:spcPts val="0"/>
+                        </a:spcAft>
+                      </a:pPr>
+                      <a:r>
+                        <a:rPr lang="en-US" sz="1100" dirty="0">
+                          <a:effectLst/>
+                          <a:latin typeface="Calibri" panose="020F0502020204030204" pitchFamily="34" charset="0"/>
+                          <a:ea typeface="Calibri" panose="020F0502020204030204" pitchFamily="34" charset="0"/>
+                          <a:cs typeface="Times New Roman" panose="02020603050405020304" pitchFamily="18" charset="0"/>
+                        </a:rPr>
+                        <a:t>Evolution</a:t>
+                      </a:r>
+                    </a:p>
+                  </a:txBody>
+                  <a:tcPr marL="68580" marR="68580" marT="0" marB="0" anchor="ctr"/>
+                </a:tc>
+                <a:tc>
+                  <a:txBody>
+                    <a:bodyPr/>
+                    <a:lstStyle/>
+                    <a:p>
+                      <a:pPr marL="0" marR="0" algn="ctr">
+                        <a:lnSpc>
+                          <a:spcPct val="115000"/>
+                        </a:lnSpc>
+                        <a:spcBef>
+                          <a:spcPts val="0"/>
+                        </a:spcBef>
+                        <a:spcAft>
+                          <a:spcPts val="0"/>
+                        </a:spcAft>
+                      </a:pPr>
+                      <a:r>
+                        <a:rPr lang="en-US" sz="1100" dirty="0">
+                          <a:effectLst/>
+                          <a:latin typeface="Calibri" panose="020F0502020204030204" pitchFamily="34" charset="0"/>
+                          <a:ea typeface="Calibri" panose="020F0502020204030204" pitchFamily="34" charset="0"/>
+                          <a:cs typeface="Times New Roman" panose="02020603050405020304" pitchFamily="18" charset="0"/>
+                        </a:rPr>
+                        <a:t>Number</a:t>
+                      </a:r>
+                    </a:p>
+                  </a:txBody>
+                  <a:tcPr marL="68580" marR="68580" marT="0" marB="0" anchor="ctr"/>
+                </a:tc>
+                <a:tc>
+                  <a:txBody>
+                    <a:bodyPr/>
+                    <a:lstStyle/>
+                    <a:p>
+                      <a:pPr marL="0" marR="0" algn="ctr">
+                        <a:lnSpc>
+                          <a:spcPct val="115000"/>
+                        </a:lnSpc>
+                        <a:spcBef>
+                          <a:spcPts val="0"/>
+                        </a:spcBef>
+                        <a:spcAft>
+                          <a:spcPts val="0"/>
+                        </a:spcAft>
+                      </a:pPr>
+                      <a:r>
+                        <a:rPr lang="en-US" sz="1100" dirty="0">
+                          <a:effectLst/>
+                          <a:latin typeface="Calibri" panose="020F0502020204030204" pitchFamily="34" charset="0"/>
+                          <a:ea typeface="Calibri" panose="020F0502020204030204" pitchFamily="34" charset="0"/>
+                          <a:cs typeface="Times New Roman" panose="02020603050405020304" pitchFamily="18" charset="0"/>
+                        </a:rPr>
+                        <a:t>Number</a:t>
+                      </a:r>
+                    </a:p>
+                  </a:txBody>
+                  <a:tcPr marL="68580" marR="68580" marT="0" marB="0" anchor="ctr"/>
+                </a:tc>
+                <a:tc>
+                  <a:txBody>
+                    <a:bodyPr/>
+                    <a:lstStyle/>
+                    <a:p>
+                      <a:pPr marL="0" marR="0" algn="ctr">
+                        <a:lnSpc>
+                          <a:spcPct val="115000"/>
+                        </a:lnSpc>
+                        <a:spcBef>
+                          <a:spcPts val="0"/>
+                        </a:spcBef>
+                        <a:spcAft>
+                          <a:spcPts val="0"/>
+                        </a:spcAft>
+                      </a:pPr>
+                      <a:r>
+                        <a:rPr lang="en-US" sz="1100" dirty="0">
+                          <a:effectLst/>
+                          <a:latin typeface="Calibri" panose="020F0502020204030204" pitchFamily="34" charset="0"/>
+                          <a:ea typeface="Calibri" panose="020F0502020204030204" pitchFamily="34" charset="0"/>
+                          <a:cs typeface="Times New Roman" panose="02020603050405020304" pitchFamily="18" charset="0"/>
+                        </a:rPr>
+                        <a:t>Number</a:t>
+                      </a:r>
+                    </a:p>
+                  </a:txBody>
+                  <a:tcPr marL="68580" marR="68580" marT="0" marB="0" anchor="ctr"/>
+                </a:tc>
+                <a:tc>
+                  <a:txBody>
+                    <a:bodyPr/>
+                    <a:lstStyle/>
+                    <a:p>
+                      <a:pPr marL="0" marR="0" algn="ctr">
+                        <a:lnSpc>
+                          <a:spcPct val="115000"/>
+                        </a:lnSpc>
+                        <a:spcBef>
+                          <a:spcPts val="0"/>
+                        </a:spcBef>
+                        <a:spcAft>
+                          <a:spcPts val="0"/>
+                        </a:spcAft>
+                      </a:pPr>
+                      <a:r>
+                        <a:rPr lang="en-US" sz="1100" dirty="0">
+                          <a:effectLst/>
+                          <a:latin typeface="Calibri" panose="020F0502020204030204" pitchFamily="34" charset="0"/>
+                          <a:ea typeface="Calibri" panose="020F0502020204030204" pitchFamily="34" charset="0"/>
+                          <a:cs typeface="Times New Roman" panose="02020603050405020304" pitchFamily="18" charset="0"/>
+                        </a:rPr>
+                        <a:t>Number</a:t>
+                      </a:r>
+                    </a:p>
+                  </a:txBody>
+                  <a:tcPr marL="68580" marR="68580" marT="0" marB="0" anchor="ctr"/>
+                </a:tc>
+                <a:tc>
+                  <a:txBody>
+                    <a:bodyPr/>
+                    <a:lstStyle/>
+                    <a:p>
+                      <a:pPr marL="0" marR="0" algn="ctr">
+                        <a:lnSpc>
+                          <a:spcPct val="115000"/>
+                        </a:lnSpc>
+                        <a:spcBef>
+                          <a:spcPts val="0"/>
+                        </a:spcBef>
+                        <a:spcAft>
+                          <a:spcPts val="0"/>
+                        </a:spcAft>
+                      </a:pPr>
+                      <a:r>
+                        <a:rPr lang="en-US" sz="1100" dirty="0">
+                          <a:effectLst/>
+                          <a:latin typeface="Calibri" panose="020F0502020204030204" pitchFamily="34" charset="0"/>
+                          <a:ea typeface="Calibri" panose="020F0502020204030204" pitchFamily="34" charset="0"/>
+                          <a:cs typeface="Times New Roman" panose="02020603050405020304" pitchFamily="18" charset="0"/>
+                        </a:rPr>
+                        <a:t>Number</a:t>
+                      </a:r>
+                    </a:p>
+                  </a:txBody>
+                  <a:tcPr marL="68580" marR="68580" marT="0" marB="0" anchor="ctr"/>
+                </a:tc>
+                <a:extLst>
+                  <a:ext uri="{0D108BD9-81ED-4DB2-BD59-A6C34878D82A}">
+                    <a16:rowId xmlns:a16="http://schemas.microsoft.com/office/drawing/2014/main" val="3524752210"/>
+                  </a:ext>
+                </a:extLst>
+              </a:tr>
+              <a:tr h="228600">
+                <a:tc>
+                  <a:txBody>
+                    <a:bodyPr/>
+                    <a:lstStyle/>
+                    <a:p>
+                      <a:pPr marL="0" marR="0">
+                        <a:lnSpc>
+                          <a:spcPct val="115000"/>
+                        </a:lnSpc>
+                        <a:spcBef>
+                          <a:spcPts val="0"/>
+                        </a:spcBef>
+                        <a:spcAft>
+                          <a:spcPts val="0"/>
+                        </a:spcAft>
+                      </a:pPr>
+                      <a:r>
+                        <a:rPr lang="en-US" sz="1100">
+                          <a:effectLst/>
+                          <a:latin typeface="Calibri" panose="020F0502020204030204" pitchFamily="34" charset="0"/>
+                          <a:ea typeface="Calibri" panose="020F0502020204030204" pitchFamily="34" charset="0"/>
+                          <a:cs typeface="Times New Roman" panose="02020603050405020304" pitchFamily="18" charset="0"/>
+                        </a:rPr>
+                        <a:t>% Evolution</a:t>
+                      </a:r>
+                      <a:endParaRPr lang="en-US" sz="1100" dirty="0">
+                        <a:effectLst/>
+                        <a:latin typeface="Calibri" panose="020F0502020204030204" pitchFamily="34" charset="0"/>
+                        <a:ea typeface="Calibri" panose="020F0502020204030204" pitchFamily="34" charset="0"/>
+                        <a:cs typeface="Times New Roman" panose="02020603050405020304" pitchFamily="18" charset="0"/>
+                      </a:endParaRPr>
+                    </a:p>
+                  </a:txBody>
+                  <a:tcPr marL="68580" marR="68580" marT="0" marB="0" anchor="ctr"/>
+                </a:tc>
+                <a:tc>
+                  <a:txBody>
+                    <a:bodyPr/>
+                    <a:lstStyle/>
+                    <a:p>
+                      <a:pPr marL="0" marR="0" algn="ctr">
+                        <a:lnSpc>
+                          <a:spcPct val="115000"/>
+                        </a:lnSpc>
+                        <a:spcBef>
+                          <a:spcPts val="0"/>
+                        </a:spcBef>
+                        <a:spcAft>
+                          <a:spcPts val="0"/>
+                        </a:spcAft>
+                      </a:pPr>
+                      <a:r>
+                        <a:rPr lang="en-US" sz="1100" dirty="0">
+                          <a:effectLst/>
+                          <a:latin typeface="Calibri" panose="020F0502020204030204" pitchFamily="34" charset="0"/>
+                          <a:ea typeface="Calibri" panose="020F0502020204030204" pitchFamily="34" charset="0"/>
+                          <a:cs typeface="Times New Roman" panose="02020603050405020304" pitchFamily="18" charset="0"/>
+                        </a:rPr>
+                        <a:t>Percentage</a:t>
+                      </a:r>
+                    </a:p>
+                  </a:txBody>
+                  <a:tcPr marL="68580" marR="68580" marT="0" marB="0" anchor="ctr"/>
+                </a:tc>
+                <a:tc>
+                  <a:txBody>
+                    <a:bodyPr/>
+                    <a:lstStyle/>
+                    <a:p>
+                      <a:pPr marL="0" marR="0" algn="ctr">
+                        <a:lnSpc>
+                          <a:spcPct val="115000"/>
+                        </a:lnSpc>
+                        <a:spcBef>
+                          <a:spcPts val="0"/>
+                        </a:spcBef>
+                        <a:spcAft>
+                          <a:spcPts val="0"/>
+                        </a:spcAft>
+                      </a:pPr>
+                      <a:r>
+                        <a:rPr lang="en-US" sz="1100" dirty="0">
+                          <a:effectLst/>
+                          <a:latin typeface="Calibri" panose="020F0502020204030204" pitchFamily="34" charset="0"/>
+                          <a:ea typeface="Calibri" panose="020F0502020204030204" pitchFamily="34" charset="0"/>
+                          <a:cs typeface="Times New Roman" panose="02020603050405020304" pitchFamily="18" charset="0"/>
+                        </a:rPr>
+                        <a:t>Percentage</a:t>
+                      </a:r>
+                    </a:p>
+                  </a:txBody>
+                  <a:tcPr marL="68580" marR="68580" marT="0" marB="0" anchor="ctr"/>
+                </a:tc>
+                <a:tc>
+                  <a:txBody>
+                    <a:bodyPr/>
+                    <a:lstStyle/>
+                    <a:p>
+                      <a:pPr marL="0" marR="0" algn="ctr">
+                        <a:lnSpc>
+                          <a:spcPct val="115000"/>
+                        </a:lnSpc>
+                        <a:spcBef>
+                          <a:spcPts val="0"/>
+                        </a:spcBef>
+                        <a:spcAft>
+                          <a:spcPts val="0"/>
+                        </a:spcAft>
+                      </a:pPr>
+                      <a:r>
+                        <a:rPr lang="en-US" sz="1100" dirty="0">
+                          <a:effectLst/>
+                          <a:latin typeface="Calibri" panose="020F0502020204030204" pitchFamily="34" charset="0"/>
+                          <a:ea typeface="Calibri" panose="020F0502020204030204" pitchFamily="34" charset="0"/>
+                          <a:cs typeface="Times New Roman" panose="02020603050405020304" pitchFamily="18" charset="0"/>
+                        </a:rPr>
+                        <a:t>Percentage</a:t>
+                      </a:r>
+                    </a:p>
+                  </a:txBody>
+                  <a:tcPr marL="68580" marR="68580" marT="0" marB="0" anchor="ctr"/>
+                </a:tc>
+                <a:tc>
+                  <a:txBody>
+                    <a:bodyPr/>
+                    <a:lstStyle/>
+                    <a:p>
+                      <a:pPr marL="0" marR="0" algn="ctr">
+                        <a:lnSpc>
+                          <a:spcPct val="115000"/>
+                        </a:lnSpc>
+                        <a:spcBef>
+                          <a:spcPts val="0"/>
+                        </a:spcBef>
+                        <a:spcAft>
+                          <a:spcPts val="0"/>
+                        </a:spcAft>
+                      </a:pPr>
+                      <a:r>
+                        <a:rPr lang="en-US" sz="1100" dirty="0">
+                          <a:effectLst/>
+                          <a:latin typeface="Calibri" panose="020F0502020204030204" pitchFamily="34" charset="0"/>
+                          <a:ea typeface="Calibri" panose="020F0502020204030204" pitchFamily="34" charset="0"/>
+                          <a:cs typeface="Times New Roman" panose="02020603050405020304" pitchFamily="18" charset="0"/>
+                        </a:rPr>
+                        <a:t>Percentage</a:t>
+                      </a:r>
+                    </a:p>
+                  </a:txBody>
+                  <a:tcPr marL="68580" marR="68580" marT="0" marB="0" anchor="ctr"/>
+                </a:tc>
+                <a:tc>
+                  <a:txBody>
+                    <a:bodyPr/>
+                    <a:lstStyle/>
+                    <a:p>
+                      <a:pPr marL="0" marR="0" algn="ctr">
+                        <a:lnSpc>
+                          <a:spcPct val="115000"/>
+                        </a:lnSpc>
+                        <a:spcBef>
+                          <a:spcPts val="0"/>
+                        </a:spcBef>
+                        <a:spcAft>
+                          <a:spcPts val="0"/>
+                        </a:spcAft>
+                      </a:pPr>
+                      <a:r>
+                        <a:rPr lang="en-US" sz="1100" dirty="0">
+                          <a:effectLst/>
+                          <a:latin typeface="Calibri" panose="020F0502020204030204" pitchFamily="34" charset="0"/>
+                          <a:ea typeface="Calibri" panose="020F0502020204030204" pitchFamily="34" charset="0"/>
+                          <a:cs typeface="Times New Roman" panose="02020603050405020304" pitchFamily="18" charset="0"/>
+                        </a:rPr>
+                        <a:t>Percentage</a:t>
+                      </a:r>
+                    </a:p>
+                  </a:txBody>
+                  <a:tcPr marL="68580" marR="68580" marT="0" marB="0" anchor="ctr"/>
+                </a:tc>
+                <a:extLst>
+                  <a:ext uri="{0D108BD9-81ED-4DB2-BD59-A6C34878D82A}">
+                    <a16:rowId xmlns:a16="http://schemas.microsoft.com/office/drawing/2014/main" val="1438623678"/>
                   </a:ext>
                 </a:extLst>
               </a:tr>

--- a/CastReporting.Reporting/TemplatesFiles/Generic Table Definition.pptx
+++ b/CastReporting.Reporting/TemplatesFiles/Generic Table Definition.pptx
@@ -223,7 +223,7 @@
           <a:p>
             <a:fld id="{BE7CF963-E58D-FC4D-BA9E-60A980752DC6}" type="datetimeFigureOut">
               <a:rPr lang="en-US" smtClean="0"/>
-              <a:t>5/2/2017</a:t>
+              <a:t>6/23/2017</a:t>
             </a:fld>
             <a:endParaRPr lang="en-US"/>
           </a:p>
@@ -880,7 +880,7 @@
           <a:p>
             <a:fld id="{B590C078-9131-4E49-8A0D-400FEE8377B5}" type="datetimeFigureOut">
               <a:rPr lang="en-US" smtClean="0"/>
-              <a:t>5/2/2017</a:t>
+              <a:t>6/23/2017</a:t>
             </a:fld>
             <a:endParaRPr lang="en-US"/>
           </a:p>
@@ -4465,7 +4465,7 @@
           <a:p>
             <a:fld id="{B590C078-9131-4E49-8A0D-400FEE8377B5}" type="datetimeFigureOut">
               <a:rPr lang="en-US" smtClean="0"/>
-              <a:t>5/2/2017</a:t>
+              <a:t>6/23/2017</a:t>
             </a:fld>
             <a:endParaRPr lang="en-US"/>
           </a:p>
@@ -8543,7 +8543,7 @@
           <a:p>
             <a:fld id="{B590C078-9131-4E49-8A0D-400FEE8377B5}" type="datetimeFigureOut">
               <a:rPr lang="en-US" smtClean="0"/>
-              <a:t>5/2/2017</a:t>
+              <a:t>6/23/2017</a:t>
             </a:fld>
             <a:endParaRPr lang="en-US"/>
           </a:p>
@@ -12368,7 +12368,7 @@
           <a:p>
             <a:fld id="{B590C078-9131-4E49-8A0D-400FEE8377B5}" type="datetimeFigureOut">
               <a:rPr lang="en-US" smtClean="0"/>
-              <a:t>5/2/2017</a:t>
+              <a:t>6/23/2017</a:t>
             </a:fld>
             <a:endParaRPr lang="en-US"/>
           </a:p>
@@ -12979,7 +12979,7 @@
           <a:p>
             <a:r>
               <a:rPr lang="en-US" dirty="0"/>
-              <a:t>SAMPLE 9</a:t>
+              <a:t>SAMPLE 7</a:t>
             </a:r>
           </a:p>
         </p:txBody>
@@ -13429,7 +13429,7 @@
           <a:p>
             <a:r>
               <a:rPr lang="en-US" dirty="0"/>
-              <a:t>SAMPLE 10</a:t>
+              <a:t>SAMPLE 8</a:t>
             </a:r>
           </a:p>
         </p:txBody>
@@ -25621,7 +25621,7 @@
           <a:p>
             <a:r>
               <a:rPr lang="en-US" dirty="0"/>
-              <a:t>SAMPLE 8</a:t>
+              <a:t>SAMPLE 6</a:t>
             </a:r>
           </a:p>
         </p:txBody>

--- a/CastReporting.Reporting/TemplatesFiles/Generic Table Definition.pptx
+++ b/CastReporting.Reporting/TemplatesFiles/Generic Table Definition.pptx
@@ -223,7 +223,7 @@
           <a:p>
             <a:fld id="{BE7CF963-E58D-FC4D-BA9E-60A980752DC6}" type="datetimeFigureOut">
               <a:rPr lang="en-US" smtClean="0"/>
-              <a:t>5/2/2017</a:t>
+              <a:t>7/4/2017</a:t>
             </a:fld>
             <a:endParaRPr lang="en-US"/>
           </a:p>
@@ -880,7 +880,7 @@
           <a:p>
             <a:fld id="{B590C078-9131-4E49-8A0D-400FEE8377B5}" type="datetimeFigureOut">
               <a:rPr lang="en-US" smtClean="0"/>
-              <a:t>5/2/2017</a:t>
+              <a:t>7/4/2017</a:t>
             </a:fld>
             <a:endParaRPr lang="en-US"/>
           </a:p>
@@ -4465,7 +4465,7 @@
           <a:p>
             <a:fld id="{B590C078-9131-4E49-8A0D-400FEE8377B5}" type="datetimeFigureOut">
               <a:rPr lang="en-US" smtClean="0"/>
-              <a:t>5/2/2017</a:t>
+              <a:t>7/4/2017</a:t>
             </a:fld>
             <a:endParaRPr lang="en-US"/>
           </a:p>
@@ -8543,7 +8543,7 @@
           <a:p>
             <a:fld id="{B590C078-9131-4E49-8A0D-400FEE8377B5}" type="datetimeFigureOut">
               <a:rPr lang="en-US" smtClean="0"/>
-              <a:t>5/2/2017</a:t>
+              <a:t>7/4/2017</a:t>
             </a:fld>
             <a:endParaRPr lang="en-US"/>
           </a:p>
@@ -12368,7 +12368,7 @@
           <a:p>
             <a:fld id="{B590C078-9131-4E49-8A0D-400FEE8377B5}" type="datetimeFigureOut">
               <a:rPr lang="en-US" smtClean="0"/>
-              <a:t>5/2/2017</a:t>
+              <a:t>7/4/2017</a:t>
             </a:fld>
             <a:endParaRPr lang="en-US"/>
           </a:p>
@@ -12979,7 +12979,7 @@
           <a:p>
             <a:r>
               <a:rPr lang="en-US" dirty="0"/>
-              <a:t>SAMPLE 9</a:t>
+              <a:t>SAMPLE 7</a:t>
             </a:r>
           </a:p>
         </p:txBody>
@@ -13428,9 +13428,10 @@
           <a:lstStyle/>
           <a:p>
             <a:r>
-              <a:rPr lang="en-US" dirty="0"/>
-              <a:t>SAMPLE 10</a:t>
-            </a:r>
+              <a:rPr lang="en-US"/>
+              <a:t>SAMPLE 8</a:t>
+            </a:r>
+            <a:endParaRPr lang="en-US" dirty="0"/>
           </a:p>
         </p:txBody>
       </p:sp>
@@ -25621,7 +25622,7 @@
           <a:p>
             <a:r>
               <a:rPr lang="en-US" dirty="0"/>
-              <a:t>SAMPLE 8</a:t>
+              <a:t>SAMPLE 6</a:t>
             </a:r>
           </a:p>
         </p:txBody>

--- a/CastReporting.Reporting/TemplatesFiles/Generic Table Definition.pptx
+++ b/CastReporting.Reporting/TemplatesFiles/Generic Table Definition.pptx
@@ -14238,8 +14238,8 @@
         </p:nvSpPr>
         <p:spPr>
           <a:xfrm>
-            <a:off x="642730" y="1333500"/>
-            <a:ext cx="10939670" cy="4351338"/>
+            <a:off x="328706" y="1333500"/>
+            <a:ext cx="11253694" cy="4351338"/>
           </a:xfrm>
         </p:spPr>
         <p:txBody>
@@ -14293,6 +14293,13 @@
             </a:endParaRPr>
           </a:p>
           <a:p>
+            <a:endParaRPr lang="fr-FR" dirty="0">
+              <a:solidFill>
+                <a:schemeClr val="accent3"/>
+              </a:solidFill>
+            </a:endParaRPr>
+          </a:p>
+          <a:p>
             <a:r>
               <a:rPr lang="fr-FR" dirty="0">
                 <a:solidFill>
@@ -14329,7 +14336,7 @@
                   <a:schemeClr val="accent1"/>
                 </a:solidFill>
               </a:rPr>
-              <a:t>CRITICAL VIOLATIONS</a:t>
+              <a:t>CRITICAL_VIOLATIONS</a:t>
             </a:r>
           </a:p>
         </p:txBody>
@@ -14372,7 +14379,7 @@
         </p:nvSpPr>
         <p:spPr>
           <a:xfrm>
-            <a:off x="3501661" y="1767155"/>
+            <a:off x="3477775" y="1767155"/>
             <a:ext cx="998420" cy="322080"/>
           </a:xfrm>
           <a:prstGeom prst="roundRect">
@@ -14424,7 +14431,7 @@
         </p:nvSpPr>
         <p:spPr>
           <a:xfrm>
-            <a:off x="4564543" y="1767155"/>
+            <a:off x="4540657" y="1767155"/>
             <a:ext cx="1102877" cy="322080"/>
           </a:xfrm>
           <a:prstGeom prst="roundRect">
@@ -14476,7 +14483,7 @@
         </p:nvSpPr>
         <p:spPr>
           <a:xfrm>
-            <a:off x="5731882" y="1767155"/>
+            <a:off x="5707996" y="1767155"/>
             <a:ext cx="719193" cy="322080"/>
           </a:xfrm>
           <a:prstGeom prst="roundRect">
@@ -14528,7 +14535,7 @@
         </p:nvSpPr>
         <p:spPr>
           <a:xfrm>
-            <a:off x="6515537" y="1767155"/>
+            <a:off x="6491651" y="1767155"/>
             <a:ext cx="1510302" cy="322080"/>
           </a:xfrm>
           <a:prstGeom prst="roundRect">
@@ -14580,7 +14587,7 @@
         </p:nvSpPr>
         <p:spPr>
           <a:xfrm>
-            <a:off x="8090301" y="1767155"/>
+            <a:off x="8066415" y="1767155"/>
             <a:ext cx="539991" cy="322080"/>
           </a:xfrm>
           <a:prstGeom prst="roundRect">
@@ -14632,7 +14639,7 @@
         </p:nvSpPr>
         <p:spPr>
           <a:xfrm>
-            <a:off x="3517425" y="2203333"/>
+            <a:off x="3493539" y="2203333"/>
             <a:ext cx="560589" cy="322080"/>
           </a:xfrm>
           <a:prstGeom prst="roundRect">
@@ -14682,7 +14689,7 @@
         </p:nvSpPr>
         <p:spPr>
           <a:xfrm>
-            <a:off x="4145498" y="2203333"/>
+            <a:off x="4121612" y="2203333"/>
             <a:ext cx="1540708" cy="322080"/>
           </a:xfrm>
           <a:prstGeom prst="roundRect">
@@ -14732,7 +14739,7 @@
         </p:nvSpPr>
         <p:spPr>
           <a:xfrm>
-            <a:off x="5753690" y="2203333"/>
+            <a:off x="5729804" y="2203333"/>
             <a:ext cx="1790858" cy="322080"/>
           </a:xfrm>
           <a:prstGeom prst="roundRect">
@@ -14782,7 +14789,7 @@
         </p:nvSpPr>
         <p:spPr>
           <a:xfrm>
-            <a:off x="7612032" y="2203333"/>
+            <a:off x="7588146" y="2203333"/>
             <a:ext cx="1887485" cy="322080"/>
           </a:xfrm>
           <a:prstGeom prst="roundRect">
@@ -14832,7 +14839,7 @@
         </p:nvSpPr>
         <p:spPr>
           <a:xfrm>
-            <a:off x="9567001" y="2203333"/>
+            <a:off x="3505085" y="2639376"/>
             <a:ext cx="1500390" cy="322080"/>
           </a:xfrm>
           <a:prstGeom prst="roundRect">
@@ -14882,7 +14889,7 @@
         </p:nvSpPr>
         <p:spPr>
           <a:xfrm>
-            <a:off x="3517425" y="2607980"/>
+            <a:off x="3505706" y="3074009"/>
             <a:ext cx="1769278" cy="322080"/>
           </a:xfrm>
           <a:prstGeom prst="roundRect">
@@ -14932,7 +14939,7 @@
         </p:nvSpPr>
         <p:spPr>
           <a:xfrm>
-            <a:off x="5348048" y="2607980"/>
+            <a:off x="5336329" y="3074009"/>
             <a:ext cx="1913713" cy="322080"/>
           </a:xfrm>
           <a:prstGeom prst="roundRect">
@@ -14982,7 +14989,7 @@
         </p:nvSpPr>
         <p:spPr>
           <a:xfrm>
-            <a:off x="7323106" y="2607980"/>
+            <a:off x="7311387" y="3074009"/>
             <a:ext cx="1608804" cy="322080"/>
           </a:xfrm>
           <a:prstGeom prst="roundRect">
@@ -15032,7 +15039,7 @@
         </p:nvSpPr>
         <p:spPr>
           <a:xfrm>
-            <a:off x="8993255" y="2607980"/>
+            <a:off x="8981536" y="3074009"/>
             <a:ext cx="1064968" cy="322080"/>
           </a:xfrm>
           <a:prstGeom prst="roundRect">
@@ -15082,7 +15089,7 @@
         </p:nvSpPr>
         <p:spPr>
           <a:xfrm>
-            <a:off x="10119567" y="2607980"/>
+            <a:off x="10107848" y="3074009"/>
             <a:ext cx="1813035" cy="322080"/>
           </a:xfrm>
           <a:prstGeom prst="roundRect">
@@ -15132,7 +15139,7 @@
         </p:nvSpPr>
         <p:spPr>
           <a:xfrm>
-            <a:off x="3517425" y="3020811"/>
+            <a:off x="3505706" y="3486840"/>
             <a:ext cx="1064968" cy="322080"/>
           </a:xfrm>
           <a:prstGeom prst="roundRect">
@@ -15182,7 +15189,7 @@
         </p:nvSpPr>
         <p:spPr>
           <a:xfrm>
-            <a:off x="3520447" y="3507907"/>
+            <a:off x="3502534" y="3978678"/>
             <a:ext cx="998420" cy="322080"/>
           </a:xfrm>
           <a:prstGeom prst="roundRect">
@@ -15232,7 +15239,7 @@
         </p:nvSpPr>
         <p:spPr>
           <a:xfrm>
-            <a:off x="4583329" y="3507907"/>
+            <a:off x="4565416" y="3978678"/>
             <a:ext cx="524699" cy="322080"/>
           </a:xfrm>
           <a:prstGeom prst="roundRect">
@@ -15282,7 +15289,7 @@
         </p:nvSpPr>
         <p:spPr>
           <a:xfrm>
-            <a:off x="3525705" y="3912554"/>
+            <a:off x="3507792" y="4383325"/>
             <a:ext cx="998420" cy="322080"/>
           </a:xfrm>
           <a:prstGeom prst="roundRect">
@@ -15332,7 +15339,7 @@
         </p:nvSpPr>
         <p:spPr>
           <a:xfrm>
-            <a:off x="4588587" y="3912554"/>
+            <a:off x="4570674" y="4383325"/>
             <a:ext cx="524699" cy="322080"/>
           </a:xfrm>
           <a:prstGeom prst="roundRect">
@@ -15382,7 +15389,7 @@
         </p:nvSpPr>
         <p:spPr>
           <a:xfrm>
-            <a:off x="3527358" y="4309398"/>
+            <a:off x="3509445" y="4780169"/>
             <a:ext cx="998420" cy="322080"/>
           </a:xfrm>
           <a:prstGeom prst="roundRect">
@@ -15432,7 +15439,7 @@
         </p:nvSpPr>
         <p:spPr>
           <a:xfrm>
-            <a:off x="4590240" y="4309398"/>
+            <a:off x="4572327" y="4780169"/>
             <a:ext cx="757808" cy="322080"/>
           </a:xfrm>
           <a:prstGeom prst="roundRect">
@@ -15482,7 +15489,7 @@
         </p:nvSpPr>
         <p:spPr>
           <a:xfrm>
-            <a:off x="5414391" y="4309398"/>
+            <a:off x="5396478" y="4780169"/>
             <a:ext cx="1036683" cy="322080"/>
           </a:xfrm>
           <a:prstGeom prst="roundRect">
@@ -15532,7 +15539,7 @@
         </p:nvSpPr>
         <p:spPr>
           <a:xfrm>
-            <a:off x="6515537" y="4300758"/>
+            <a:off x="6497624" y="4771529"/>
             <a:ext cx="484353" cy="322080"/>
           </a:xfrm>
           <a:prstGeom prst="roundRect">
@@ -15582,7 +15589,7 @@
         </p:nvSpPr>
         <p:spPr>
           <a:xfrm>
-            <a:off x="3553635" y="4735063"/>
+            <a:off x="3502534" y="5201640"/>
             <a:ext cx="998420" cy="322080"/>
           </a:xfrm>
           <a:prstGeom prst="roundRect">
@@ -15632,7 +15639,7 @@
         </p:nvSpPr>
         <p:spPr>
           <a:xfrm>
-            <a:off x="4616517" y="4735063"/>
+            <a:off x="4565416" y="5201640"/>
             <a:ext cx="757808" cy="322080"/>
           </a:xfrm>
           <a:prstGeom prst="roundRect">
@@ -15682,7 +15689,7 @@
         </p:nvSpPr>
         <p:spPr>
           <a:xfrm>
-            <a:off x="5440668" y="4735063"/>
+            <a:off x="5389567" y="5201640"/>
             <a:ext cx="1036683" cy="322080"/>
           </a:xfrm>
           <a:prstGeom prst="roundRect">
@@ -15732,7 +15739,7 @@
         </p:nvSpPr>
         <p:spPr>
           <a:xfrm>
-            <a:off x="6541814" y="4726423"/>
+            <a:off x="6490713" y="5193000"/>
             <a:ext cx="484353" cy="322080"/>
           </a:xfrm>
           <a:prstGeom prst="roundRect">
@@ -15769,6 +15776,62 @@
             <a:r>
               <a:rPr lang="en-US" sz="1200" dirty="0"/>
               <a:t>ALL</a:t>
+            </a:r>
+            <a:endParaRPr lang="en-US" dirty="0"/>
+          </a:p>
+        </p:txBody>
+      </p:sp>
+      <p:sp>
+        <p:nvSpPr>
+          <p:cNvPr id="46" name="Rectangle: Rounded Corners 45">
+            <a:extLst>
+              <a:ext uri="{FF2B5EF4-FFF2-40B4-BE49-F238E27FC236}">
+                <a16:creationId xmlns:a16="http://schemas.microsoft.com/office/drawing/2014/main" id="{608E9DDA-A506-4F7D-9294-AE1B7B20D6BD}"/>
+              </a:ext>
+            </a:extLst>
+          </p:cNvPr>
+          <p:cNvSpPr/>
+          <p:nvPr/>
+        </p:nvSpPr>
+        <p:spPr>
+          <a:xfrm>
+            <a:off x="5122359" y="2649570"/>
+            <a:ext cx="2296753" cy="322080"/>
+          </a:xfrm>
+          <a:prstGeom prst="roundRect">
+            <a:avLst/>
+          </a:prstGeom>
+          <a:solidFill>
+            <a:schemeClr val="accent2"/>
+          </a:solidFill>
+          <a:ln>
+            <a:noFill/>
+          </a:ln>
+        </p:spPr>
+        <p:style>
+          <a:lnRef idx="2">
+            <a:schemeClr val="accent1">
+              <a:shade val="50000"/>
+            </a:schemeClr>
+          </a:lnRef>
+          <a:fillRef idx="1">
+            <a:schemeClr val="accent1"/>
+          </a:fillRef>
+          <a:effectRef idx="0">
+            <a:schemeClr val="accent1"/>
+          </a:effectRef>
+          <a:fontRef idx="minor">
+            <a:schemeClr val="lt1"/>
+          </a:fontRef>
+        </p:style>
+        <p:txBody>
+          <a:bodyPr rtlCol="0" anchor="ctr"/>
+          <a:lstStyle/>
+          <a:p>
+            <a:pPr algn="ctr"/>
+            <a:r>
+              <a:rPr lang="en-US" sz="1200" dirty="0"/>
+              <a:t>CRITICAL_QUALITY_RULES</a:t>
             </a:r>
             <a:endParaRPr lang="en-US" dirty="0"/>
           </a:p>

--- a/CastReporting.Reporting/TemplatesFiles/Generic Table Definition.pptx
+++ b/CastReporting.Reporting/TemplatesFiles/Generic Table Definition.pptx
@@ -223,7 +223,7 @@
           <a:p>
             <a:fld id="{BE7CF963-E58D-FC4D-BA9E-60A980752DC6}" type="datetimeFigureOut">
               <a:rPr lang="en-US" smtClean="0"/>
-              <a:t>7/4/2017</a:t>
+              <a:t>7/7/2017</a:t>
             </a:fld>
             <a:endParaRPr lang="en-US"/>
           </a:p>
@@ -880,7 +880,7 @@
           <a:p>
             <a:fld id="{B590C078-9131-4E49-8A0D-400FEE8377B5}" type="datetimeFigureOut">
               <a:rPr lang="en-US" smtClean="0"/>
-              <a:t>7/4/2017</a:t>
+              <a:t>7/7/2017</a:t>
             </a:fld>
             <a:endParaRPr lang="en-US"/>
           </a:p>
@@ -4465,7 +4465,7 @@
           <a:p>
             <a:fld id="{B590C078-9131-4E49-8A0D-400FEE8377B5}" type="datetimeFigureOut">
               <a:rPr lang="en-US" smtClean="0"/>
-              <a:t>7/4/2017</a:t>
+              <a:t>7/7/2017</a:t>
             </a:fld>
             <a:endParaRPr lang="en-US"/>
           </a:p>
@@ -8543,7 +8543,7 @@
           <a:p>
             <a:fld id="{B590C078-9131-4E49-8A0D-400FEE8377B5}" type="datetimeFigureOut">
               <a:rPr lang="en-US" smtClean="0"/>
-              <a:t>7/4/2017</a:t>
+              <a:t>7/7/2017</a:t>
             </a:fld>
             <a:endParaRPr lang="en-US"/>
           </a:p>
@@ -12368,7 +12368,7 @@
           <a:p>
             <a:fld id="{B590C078-9131-4E49-8A0D-400FEE8377B5}" type="datetimeFigureOut">
               <a:rPr lang="en-US" smtClean="0"/>
-              <a:t>7/4/2017</a:t>
+              <a:t>7/7/2017</a:t>
             </a:fld>
             <a:endParaRPr lang="en-US"/>
           </a:p>
@@ -16791,8 +16791,12 @@
           <a:lstStyle/>
           <a:p>
             <a:r>
+              <a:rPr lang="en-US"/>
+              <a:t>SAMPLE </a:t>
+            </a:r>
+            <a:r>
               <a:rPr lang="en-US" dirty="0"/>
-              <a:t>SAMPLES 1</a:t>
+              <a:t>1</a:t>
             </a:r>
           </a:p>
         </p:txBody>

--- a/CastReporting.Reporting/TemplatesFiles/Generic Table Definition.pptx
+++ b/CastReporting.Reporting/TemplatesFiles/Generic Table Definition.pptx
@@ -223,7 +223,7 @@
           <a:p>
             <a:fld id="{BE7CF963-E58D-FC4D-BA9E-60A980752DC6}" type="datetimeFigureOut">
               <a:rPr lang="en-US" smtClean="0"/>
-              <a:t>6/23/2017</a:t>
+              <a:t>7/7/2017</a:t>
             </a:fld>
             <a:endParaRPr lang="en-US"/>
           </a:p>
@@ -880,7 +880,7 @@
           <a:p>
             <a:fld id="{B590C078-9131-4E49-8A0D-400FEE8377B5}" type="datetimeFigureOut">
               <a:rPr lang="en-US" smtClean="0"/>
-              <a:t>6/23/2017</a:t>
+              <a:t>7/7/2017</a:t>
             </a:fld>
             <a:endParaRPr lang="en-US"/>
           </a:p>
@@ -4465,7 +4465,7 @@
           <a:p>
             <a:fld id="{B590C078-9131-4E49-8A0D-400FEE8377B5}" type="datetimeFigureOut">
               <a:rPr lang="en-US" smtClean="0"/>
-              <a:t>6/23/2017</a:t>
+              <a:t>7/7/2017</a:t>
             </a:fld>
             <a:endParaRPr lang="en-US"/>
           </a:p>
@@ -8543,7 +8543,7 @@
           <a:p>
             <a:fld id="{B590C078-9131-4E49-8A0D-400FEE8377B5}" type="datetimeFigureOut">
               <a:rPr lang="en-US" smtClean="0"/>
-              <a:t>6/23/2017</a:t>
+              <a:t>7/7/2017</a:t>
             </a:fld>
             <a:endParaRPr lang="en-US"/>
           </a:p>
@@ -12368,7 +12368,7 @@
           <a:p>
             <a:fld id="{B590C078-9131-4E49-8A0D-400FEE8377B5}" type="datetimeFigureOut">
               <a:rPr lang="en-US" smtClean="0"/>
-              <a:t>6/23/2017</a:t>
+              <a:t>7/7/2017</a:t>
             </a:fld>
             <a:endParaRPr lang="en-US"/>
           </a:p>
@@ -16727,8 +16727,12 @@
           <a:lstStyle/>
           <a:p>
             <a:r>
+              <a:rPr lang="en-US"/>
+              <a:t>SAMPLE </a:t>
+            </a:r>
+            <a:r>
               <a:rPr lang="en-US" dirty="0"/>
-              <a:t>SAMPLES 1</a:t>
+              <a:t>1</a:t>
             </a:r>
           </a:p>
         </p:txBody>

--- a/CastReporting.Reporting/TemplatesFiles/Generic Table Definition.pptx
+++ b/CastReporting.Reporting/TemplatesFiles/Generic Table Definition.pptx
@@ -13428,9 +13428,10 @@
           <a:lstStyle/>
           <a:p>
             <a:r>
-              <a:rPr lang="en-US" dirty="0"/>
+              <a:rPr lang="en-US"/>
               <a:t>SAMPLE 8</a:t>
             </a:r>
+            <a:endParaRPr lang="en-US" dirty="0"/>
           </a:p>
         </p:txBody>
       </p:sp>
@@ -14237,8 +14238,8 @@
         </p:nvSpPr>
         <p:spPr>
           <a:xfrm>
-            <a:off x="642730" y="1333500"/>
-            <a:ext cx="10939670" cy="4351338"/>
+            <a:off x="328706" y="1333500"/>
+            <a:ext cx="11253694" cy="4351338"/>
           </a:xfrm>
         </p:spPr>
         <p:txBody>
@@ -14292,6 +14293,13 @@
             </a:endParaRPr>
           </a:p>
           <a:p>
+            <a:endParaRPr lang="fr-FR" dirty="0">
+              <a:solidFill>
+                <a:schemeClr val="accent3"/>
+              </a:solidFill>
+            </a:endParaRPr>
+          </a:p>
+          <a:p>
             <a:r>
               <a:rPr lang="fr-FR" dirty="0">
                 <a:solidFill>
@@ -14328,7 +14336,7 @@
                   <a:schemeClr val="accent1"/>
                 </a:solidFill>
               </a:rPr>
-              <a:t>CRITICAL VIOLATIONS</a:t>
+              <a:t>CRITICAL_VIOLATIONS</a:t>
             </a:r>
           </a:p>
         </p:txBody>
@@ -14371,7 +14379,7 @@
         </p:nvSpPr>
         <p:spPr>
           <a:xfrm>
-            <a:off x="3501661" y="1767155"/>
+            <a:off x="3477775" y="1767155"/>
             <a:ext cx="998420" cy="322080"/>
           </a:xfrm>
           <a:prstGeom prst="roundRect">
@@ -14423,7 +14431,7 @@
         </p:nvSpPr>
         <p:spPr>
           <a:xfrm>
-            <a:off x="4564543" y="1767155"/>
+            <a:off x="4540657" y="1767155"/>
             <a:ext cx="1102877" cy="322080"/>
           </a:xfrm>
           <a:prstGeom prst="roundRect">
@@ -14475,7 +14483,7 @@
         </p:nvSpPr>
         <p:spPr>
           <a:xfrm>
-            <a:off x="5731882" y="1767155"/>
+            <a:off x="5707996" y="1767155"/>
             <a:ext cx="719193" cy="322080"/>
           </a:xfrm>
           <a:prstGeom prst="roundRect">
@@ -14527,7 +14535,7 @@
         </p:nvSpPr>
         <p:spPr>
           <a:xfrm>
-            <a:off x="6515537" y="1767155"/>
+            <a:off x="6491651" y="1767155"/>
             <a:ext cx="1510302" cy="322080"/>
           </a:xfrm>
           <a:prstGeom prst="roundRect">
@@ -14579,7 +14587,7 @@
         </p:nvSpPr>
         <p:spPr>
           <a:xfrm>
-            <a:off x="8090301" y="1767155"/>
+            <a:off x="8066415" y="1767155"/>
             <a:ext cx="539991" cy="322080"/>
           </a:xfrm>
           <a:prstGeom prst="roundRect">
@@ -14631,7 +14639,7 @@
         </p:nvSpPr>
         <p:spPr>
           <a:xfrm>
-            <a:off x="3517425" y="2203333"/>
+            <a:off x="3493539" y="2203333"/>
             <a:ext cx="560589" cy="322080"/>
           </a:xfrm>
           <a:prstGeom prst="roundRect">
@@ -14681,7 +14689,7 @@
         </p:nvSpPr>
         <p:spPr>
           <a:xfrm>
-            <a:off x="4145498" y="2203333"/>
+            <a:off x="4121612" y="2203333"/>
             <a:ext cx="1540708" cy="322080"/>
           </a:xfrm>
           <a:prstGeom prst="roundRect">
@@ -14731,7 +14739,7 @@
         </p:nvSpPr>
         <p:spPr>
           <a:xfrm>
-            <a:off x="5753690" y="2203333"/>
+            <a:off x="5729804" y="2203333"/>
             <a:ext cx="1790858" cy="322080"/>
           </a:xfrm>
           <a:prstGeom prst="roundRect">
@@ -14781,7 +14789,7 @@
         </p:nvSpPr>
         <p:spPr>
           <a:xfrm>
-            <a:off x="7612032" y="2203333"/>
+            <a:off x="7588146" y="2203333"/>
             <a:ext cx="1887485" cy="322080"/>
           </a:xfrm>
           <a:prstGeom prst="roundRect">
@@ -14831,7 +14839,7 @@
         </p:nvSpPr>
         <p:spPr>
           <a:xfrm>
-            <a:off x="9567001" y="2203333"/>
+            <a:off x="3505085" y="2639376"/>
             <a:ext cx="1500390" cy="322080"/>
           </a:xfrm>
           <a:prstGeom prst="roundRect">
@@ -14881,7 +14889,7 @@
         </p:nvSpPr>
         <p:spPr>
           <a:xfrm>
-            <a:off x="3517425" y="2607980"/>
+            <a:off x="3505706" y="3074009"/>
             <a:ext cx="1769278" cy="322080"/>
           </a:xfrm>
           <a:prstGeom prst="roundRect">
@@ -14931,7 +14939,7 @@
         </p:nvSpPr>
         <p:spPr>
           <a:xfrm>
-            <a:off x="5348048" y="2607980"/>
+            <a:off x="5336329" y="3074009"/>
             <a:ext cx="1913713" cy="322080"/>
           </a:xfrm>
           <a:prstGeom prst="roundRect">
@@ -14981,7 +14989,7 @@
         </p:nvSpPr>
         <p:spPr>
           <a:xfrm>
-            <a:off x="7323106" y="2607980"/>
+            <a:off x="7311387" y="3074009"/>
             <a:ext cx="1608804" cy="322080"/>
           </a:xfrm>
           <a:prstGeom prst="roundRect">
@@ -15031,7 +15039,7 @@
         </p:nvSpPr>
         <p:spPr>
           <a:xfrm>
-            <a:off x="8993255" y="2607980"/>
+            <a:off x="8981536" y="3074009"/>
             <a:ext cx="1064968" cy="322080"/>
           </a:xfrm>
           <a:prstGeom prst="roundRect">
@@ -15081,7 +15089,7 @@
         </p:nvSpPr>
         <p:spPr>
           <a:xfrm>
-            <a:off x="10119567" y="2607980"/>
+            <a:off x="10107848" y="3074009"/>
             <a:ext cx="1813035" cy="322080"/>
           </a:xfrm>
           <a:prstGeom prst="roundRect">
@@ -15131,7 +15139,7 @@
         </p:nvSpPr>
         <p:spPr>
           <a:xfrm>
-            <a:off x="3517425" y="3020811"/>
+            <a:off x="3505706" y="3486840"/>
             <a:ext cx="1064968" cy="322080"/>
           </a:xfrm>
           <a:prstGeom prst="roundRect">
@@ -15181,7 +15189,7 @@
         </p:nvSpPr>
         <p:spPr>
           <a:xfrm>
-            <a:off x="3520447" y="3507907"/>
+            <a:off x="3502534" y="3978678"/>
             <a:ext cx="998420" cy="322080"/>
           </a:xfrm>
           <a:prstGeom prst="roundRect">
@@ -15231,7 +15239,7 @@
         </p:nvSpPr>
         <p:spPr>
           <a:xfrm>
-            <a:off x="4583329" y="3507907"/>
+            <a:off x="4565416" y="3978678"/>
             <a:ext cx="524699" cy="322080"/>
           </a:xfrm>
           <a:prstGeom prst="roundRect">
@@ -15281,7 +15289,7 @@
         </p:nvSpPr>
         <p:spPr>
           <a:xfrm>
-            <a:off x="3525705" y="3912554"/>
+            <a:off x="3507792" y="4383325"/>
             <a:ext cx="998420" cy="322080"/>
           </a:xfrm>
           <a:prstGeom prst="roundRect">
@@ -15331,7 +15339,7 @@
         </p:nvSpPr>
         <p:spPr>
           <a:xfrm>
-            <a:off x="4588587" y="3912554"/>
+            <a:off x="4570674" y="4383325"/>
             <a:ext cx="524699" cy="322080"/>
           </a:xfrm>
           <a:prstGeom prst="roundRect">
@@ -15381,7 +15389,7 @@
         </p:nvSpPr>
         <p:spPr>
           <a:xfrm>
-            <a:off x="3527358" y="4309398"/>
+            <a:off x="3509445" y="4780169"/>
             <a:ext cx="998420" cy="322080"/>
           </a:xfrm>
           <a:prstGeom prst="roundRect">
@@ -15431,7 +15439,7 @@
         </p:nvSpPr>
         <p:spPr>
           <a:xfrm>
-            <a:off x="4590240" y="4309398"/>
+            <a:off x="4572327" y="4780169"/>
             <a:ext cx="757808" cy="322080"/>
           </a:xfrm>
           <a:prstGeom prst="roundRect">
@@ -15481,7 +15489,7 @@
         </p:nvSpPr>
         <p:spPr>
           <a:xfrm>
-            <a:off x="5414391" y="4309398"/>
+            <a:off x="5396478" y="4780169"/>
             <a:ext cx="1036683" cy="322080"/>
           </a:xfrm>
           <a:prstGeom prst="roundRect">
@@ -15531,7 +15539,7 @@
         </p:nvSpPr>
         <p:spPr>
           <a:xfrm>
-            <a:off x="6515537" y="4300758"/>
+            <a:off x="6497624" y="4771529"/>
             <a:ext cx="484353" cy="322080"/>
           </a:xfrm>
           <a:prstGeom prst="roundRect">
@@ -15581,7 +15589,7 @@
         </p:nvSpPr>
         <p:spPr>
           <a:xfrm>
-            <a:off x="3553635" y="4735063"/>
+            <a:off x="3502534" y="5201640"/>
             <a:ext cx="998420" cy="322080"/>
           </a:xfrm>
           <a:prstGeom prst="roundRect">
@@ -15631,7 +15639,7 @@
         </p:nvSpPr>
         <p:spPr>
           <a:xfrm>
-            <a:off x="4616517" y="4735063"/>
+            <a:off x="4565416" y="5201640"/>
             <a:ext cx="757808" cy="322080"/>
           </a:xfrm>
           <a:prstGeom prst="roundRect">
@@ -15681,7 +15689,7 @@
         </p:nvSpPr>
         <p:spPr>
           <a:xfrm>
-            <a:off x="5440668" y="4735063"/>
+            <a:off x="5389567" y="5201640"/>
             <a:ext cx="1036683" cy="322080"/>
           </a:xfrm>
           <a:prstGeom prst="roundRect">
@@ -15731,7 +15739,7 @@
         </p:nvSpPr>
         <p:spPr>
           <a:xfrm>
-            <a:off x="6541814" y="4726423"/>
+            <a:off x="6490713" y="5193000"/>
             <a:ext cx="484353" cy="322080"/>
           </a:xfrm>
           <a:prstGeom prst="roundRect">
@@ -15768,6 +15776,62 @@
             <a:r>
               <a:rPr lang="en-US" sz="1200" dirty="0"/>
               <a:t>ALL</a:t>
+            </a:r>
+            <a:endParaRPr lang="en-US" dirty="0"/>
+          </a:p>
+        </p:txBody>
+      </p:sp>
+      <p:sp>
+        <p:nvSpPr>
+          <p:cNvPr id="46" name="Rectangle: Rounded Corners 45">
+            <a:extLst>
+              <a:ext uri="{FF2B5EF4-FFF2-40B4-BE49-F238E27FC236}">
+                <a16:creationId xmlns:a16="http://schemas.microsoft.com/office/drawing/2014/main" id="{608E9DDA-A506-4F7D-9294-AE1B7B20D6BD}"/>
+              </a:ext>
+            </a:extLst>
+          </p:cNvPr>
+          <p:cNvSpPr/>
+          <p:nvPr/>
+        </p:nvSpPr>
+        <p:spPr>
+          <a:xfrm>
+            <a:off x="5122359" y="2649570"/>
+            <a:ext cx="2296753" cy="322080"/>
+          </a:xfrm>
+          <a:prstGeom prst="roundRect">
+            <a:avLst/>
+          </a:prstGeom>
+          <a:solidFill>
+            <a:schemeClr val="accent2"/>
+          </a:solidFill>
+          <a:ln>
+            <a:noFill/>
+          </a:ln>
+        </p:spPr>
+        <p:style>
+          <a:lnRef idx="2">
+            <a:schemeClr val="accent1">
+              <a:shade val="50000"/>
+            </a:schemeClr>
+          </a:lnRef>
+          <a:fillRef idx="1">
+            <a:schemeClr val="accent1"/>
+          </a:fillRef>
+          <a:effectRef idx="0">
+            <a:schemeClr val="accent1"/>
+          </a:effectRef>
+          <a:fontRef idx="minor">
+            <a:schemeClr val="lt1"/>
+          </a:fontRef>
+        </p:style>
+        <p:txBody>
+          <a:bodyPr rtlCol="0" anchor="ctr"/>
+          <a:lstStyle/>
+          <a:p>
+            <a:pPr algn="ctr"/>
+            <a:r>
+              <a:rPr lang="en-US" sz="1200" dirty="0"/>
+              <a:t>CRITICAL_QUALITY_RULES</a:t>
             </a:r>
             <a:endParaRPr lang="en-US" dirty="0"/>
           </a:p>

--- a/CastReporting.Reporting/TemplatesFiles/Generic Table Definition.pptx
+++ b/CastReporting.Reporting/TemplatesFiles/Generic Table Definition.pptx
@@ -5,7 +5,7 @@
     <p:sldMasterId id="2147483648" r:id="rId1"/>
   </p:sldMasterIdLst>
   <p:notesMasterIdLst>
-    <p:notesMasterId r:id="rId14"/>
+    <p:notesMasterId r:id="rId15"/>
   </p:notesMasterIdLst>
   <p:sldIdLst>
     <p:sldId id="342" r:id="rId2"/>
@@ -19,7 +19,8 @@
     <p:sldId id="360" r:id="rId10"/>
     <p:sldId id="372" r:id="rId11"/>
     <p:sldId id="385" r:id="rId12"/>
-    <p:sldId id="386" r:id="rId13"/>
+    <p:sldId id="387" r:id="rId13"/>
+    <p:sldId id="386" r:id="rId14"/>
   </p:sldIdLst>
   <p:sldSz cx="12192000" cy="6858000"/>
   <p:notesSz cx="6858000" cy="9144000"/>
@@ -137,10 +138,6 @@
 </p:presentation>
 </file>
 
-<file path=ppt/revisionInfo.xml><?xml version="1.0" encoding="utf-8"?>
-<p1510:revInfo xmlns:a="http://schemas.openxmlformats.org/drawingml/2006/main" xmlns:r="http://schemas.openxmlformats.org/officeDocument/2006/relationships" xmlns:p1510="http://schemas.microsoft.com/office/powerpoint/2015/10/main"/>
-</file>
-
 <file path=ppt/notesMasters/notesMaster1.xml><?xml version="1.0" encoding="utf-8"?>
 <p:notesMaster xmlns:a="http://schemas.openxmlformats.org/drawingml/2006/main" xmlns:r="http://schemas.openxmlformats.org/officeDocument/2006/relationships" xmlns:p="http://schemas.openxmlformats.org/presentationml/2006/main">
   <p:cSld>
@@ -223,7 +220,7 @@
           <a:p>
             <a:fld id="{BE7CF963-E58D-FC4D-BA9E-60A980752DC6}" type="datetimeFigureOut">
               <a:rPr lang="en-US" smtClean="0"/>
-              <a:t>7/7/2017</a:t>
+              <a:t>6/26/2018</a:t>
             </a:fld>
             <a:endParaRPr lang="en-US"/>
           </a:p>
@@ -880,7 +877,7 @@
           <a:p>
             <a:fld id="{B590C078-9131-4E49-8A0D-400FEE8377B5}" type="datetimeFigureOut">
               <a:rPr lang="en-US" smtClean="0"/>
-              <a:t>7/7/2017</a:t>
+              <a:t>6/26/2018</a:t>
             </a:fld>
             <a:endParaRPr lang="en-US"/>
           </a:p>
@@ -4465,7 +4462,7 @@
           <a:p>
             <a:fld id="{B590C078-9131-4E49-8A0D-400FEE8377B5}" type="datetimeFigureOut">
               <a:rPr lang="en-US" smtClean="0"/>
-              <a:t>7/7/2017</a:t>
+              <a:t>6/26/2018</a:t>
             </a:fld>
             <a:endParaRPr lang="en-US"/>
           </a:p>
@@ -8543,7 +8540,7 @@
           <a:p>
             <a:fld id="{B590C078-9131-4E49-8A0D-400FEE8377B5}" type="datetimeFigureOut">
               <a:rPr lang="en-US" smtClean="0"/>
-              <a:t>7/7/2017</a:t>
+              <a:t>6/26/2018</a:t>
             </a:fld>
             <a:endParaRPr lang="en-US"/>
           </a:p>
@@ -12368,7 +12365,7 @@
           <a:p>
             <a:fld id="{B590C078-9131-4E49-8A0D-400FEE8377B5}" type="datetimeFigureOut">
               <a:rPr lang="en-US" smtClean="0"/>
-              <a:t>7/7/2017</a:t>
+              <a:t>6/26/2018</a:t>
             </a:fld>
             <a:endParaRPr lang="en-US"/>
           </a:p>
@@ -14070,7 +14067,7 @@
           <a:p>
             <a:r>
               <a:rPr lang="en-US" dirty="0"/>
-              <a:t>Notes</a:t>
+              <a:t>SAMPLE 9</a:t>
             </a:r>
           </a:p>
         </p:txBody>
@@ -14091,6 +14088,604 @@
           <a:lstStyle/>
           <a:p>
             <a:r>
+              <a:rPr lang="en-GB" dirty="0"/>
+              <a:t>Table to monitor quality standard violations evolution</a:t>
+            </a:r>
+            <a:endParaRPr lang="en-US" dirty="0"/>
+          </a:p>
+          <a:p>
+            <a:r>
+              <a:rPr lang="en-US" sz="1400" dirty="0"/>
+              <a:t>TABLE;GENERIC_TABLE;COL1=VIOLATIONS,ROW1=METRICS,METRICS=CWE,VIOLATIONS=ALL</a:t>
+            </a:r>
+          </a:p>
+        </p:txBody>
+      </p:sp>
+      <p:pic>
+        <p:nvPicPr>
+          <p:cNvPr id="4" name="Picture 3"/>
+          <p:cNvPicPr>
+            <a:picLocks noChangeAspect="1"/>
+          </p:cNvPicPr>
+          <p:nvPr/>
+        </p:nvPicPr>
+        <p:blipFill>
+          <a:blip r:embed="rId2">
+            <a:extLst>
+              <a:ext uri="{28A0092B-C50C-407E-A947-70E740481C1C}">
+                <a14:useLocalDpi xmlns:a14="http://schemas.microsoft.com/office/drawing/2010/main" val="0"/>
+              </a:ext>
+            </a:extLst>
+          </a:blip>
+          <a:stretch>
+            <a:fillRect/>
+          </a:stretch>
+        </p:blipFill>
+        <p:spPr>
+          <a:xfrm>
+            <a:off x="258603" y="127459"/>
+            <a:ext cx="655797" cy="657255"/>
+          </a:xfrm>
+          <a:prstGeom prst="rect">
+            <a:avLst/>
+          </a:prstGeom>
+        </p:spPr>
+      </p:pic>
+      <p:graphicFrame>
+        <p:nvGraphicFramePr>
+          <p:cNvPr id="6" name="Table 5" descr="TABLE;GENERIC_TABLE;COL1=VIOLATIONS,ROW1=METRICS,METRICS=CWE,VIOLATIONS=ALL"/>
+          <p:cNvGraphicFramePr>
+            <a:graphicFrameLocks noGrp="1"/>
+          </p:cNvGraphicFramePr>
+          <p:nvPr>
+            <p:extLst>
+              <p:ext uri="{D42A27DB-BD31-4B8C-83A1-F6EECF244321}">
+                <p14:modId xmlns:p14="http://schemas.microsoft.com/office/powerpoint/2010/main" val="223356689"/>
+              </p:ext>
+            </p:extLst>
+          </p:nvPr>
+        </p:nvGraphicFramePr>
+        <p:xfrm>
+          <a:off x="738231" y="2647274"/>
+          <a:ext cx="9387280" cy="1371600"/>
+        </p:xfrm>
+        <a:graphic>
+          <a:graphicData uri="http://schemas.openxmlformats.org/drawingml/2006/table">
+            <a:tbl>
+              <a:tblPr firstRow="1" bandRow="1">
+                <a:tableStyleId>{68D230F3-CF80-4859-8CE7-A43EE81993B5}</a:tableStyleId>
+              </a:tblPr>
+              <a:tblGrid>
+                <a:gridCol w="3758268">
+                  <a:extLst>
+                    <a:ext uri="{9D8B030D-6E8A-4147-A177-3AD203B41FA5}">
+                      <a16:colId xmlns:a16="http://schemas.microsoft.com/office/drawing/2014/main" val="2686098126"/>
+                    </a:ext>
+                  </a:extLst>
+                </a:gridCol>
+                <a:gridCol w="1895912">
+                  <a:extLst>
+                    <a:ext uri="{9D8B030D-6E8A-4147-A177-3AD203B41FA5}">
+                      <a16:colId xmlns:a16="http://schemas.microsoft.com/office/drawing/2014/main" val="562011525"/>
+                    </a:ext>
+                  </a:extLst>
+                </a:gridCol>
+                <a:gridCol w="1904301">
+                  <a:extLst>
+                    <a:ext uri="{9D8B030D-6E8A-4147-A177-3AD203B41FA5}">
+                      <a16:colId xmlns:a16="http://schemas.microsoft.com/office/drawing/2014/main" val="4068201546"/>
+                    </a:ext>
+                  </a:extLst>
+                </a:gridCol>
+                <a:gridCol w="1828799">
+                  <a:extLst>
+                    <a:ext uri="{9D8B030D-6E8A-4147-A177-3AD203B41FA5}">
+                      <a16:colId xmlns:a16="http://schemas.microsoft.com/office/drawing/2014/main" val="20002"/>
+                    </a:ext>
+                  </a:extLst>
+                </a:gridCol>
+              </a:tblGrid>
+              <a:tr h="191479">
+                <a:tc>
+                  <a:txBody>
+                    <a:bodyPr/>
+                    <a:lstStyle/>
+                    <a:p>
+                      <a:r>
+                        <a:rPr lang="en-US" sz="900" dirty="0"/>
+                        <a:t>Metrics</a:t>
+                      </a:r>
+                    </a:p>
+                  </a:txBody>
+                  <a:tcPr anchor="ctr"/>
+                </a:tc>
+                <a:tc>
+                  <a:txBody>
+                    <a:bodyPr/>
+                    <a:lstStyle/>
+                    <a:p>
+                      <a:pPr algn="ctr"/>
+                      <a:r>
+                        <a:rPr lang="en-US" sz="900" dirty="0"/>
+                        <a:t>Added Violations</a:t>
+                      </a:r>
+                    </a:p>
+                  </a:txBody>
+                  <a:tcPr anchor="ctr"/>
+                </a:tc>
+                <a:tc>
+                  <a:txBody>
+                    <a:bodyPr/>
+                    <a:lstStyle/>
+                    <a:p>
+                      <a:pPr algn="ctr"/>
+                      <a:r>
+                        <a:rPr lang="en-US" sz="900" dirty="0"/>
+                        <a:t>Removed Violations</a:t>
+                      </a:r>
+                    </a:p>
+                  </a:txBody>
+                  <a:tcPr anchor="ctr"/>
+                </a:tc>
+                <a:tc>
+                  <a:txBody>
+                    <a:bodyPr/>
+                    <a:lstStyle/>
+                    <a:p>
+                      <a:pPr algn="ctr"/>
+                      <a:r>
+                        <a:rPr lang="en-US" sz="900" dirty="0"/>
+                        <a:t>Total Violations</a:t>
+                      </a:r>
+                    </a:p>
+                  </a:txBody>
+                  <a:tcPr anchor="ctr"/>
+                </a:tc>
+                <a:extLst>
+                  <a:ext uri="{0D108BD9-81ED-4DB2-BD59-A6C34878D82A}">
+                    <a16:rowId xmlns:a16="http://schemas.microsoft.com/office/drawing/2014/main" val="1266671279"/>
+                  </a:ext>
+                </a:extLst>
+              </a:tr>
+              <a:tr h="191479">
+                <a:tc>
+                  <a:txBody>
+                    <a:bodyPr/>
+                    <a:lstStyle/>
+                    <a:p>
+                      <a:r>
+                        <a:rPr lang="en-US" sz="900" dirty="0"/>
+                        <a:t>Metric 1</a:t>
+                      </a:r>
+                    </a:p>
+                  </a:txBody>
+                  <a:tcPr anchor="ctr"/>
+                </a:tc>
+                <a:tc>
+                  <a:txBody>
+                    <a:bodyPr/>
+                    <a:lstStyle/>
+                    <a:p>
+                      <a:pPr algn="ctr"/>
+                      <a:r>
+                        <a:rPr lang="en-US" sz="900" dirty="0"/>
+                        <a:t>number</a:t>
+                      </a:r>
+                    </a:p>
+                  </a:txBody>
+                  <a:tcPr anchor="ctr"/>
+                </a:tc>
+                <a:tc>
+                  <a:txBody>
+                    <a:bodyPr/>
+                    <a:lstStyle/>
+                    <a:p>
+                      <a:pPr algn="ctr"/>
+                      <a:r>
+                        <a:rPr lang="en-US" sz="900" dirty="0"/>
+                        <a:t>number</a:t>
+                      </a:r>
+                    </a:p>
+                  </a:txBody>
+                  <a:tcPr anchor="ctr"/>
+                </a:tc>
+                <a:tc>
+                  <a:txBody>
+                    <a:bodyPr/>
+                    <a:lstStyle/>
+                    <a:p>
+                      <a:pPr algn="ctr"/>
+                      <a:r>
+                        <a:rPr lang="en-US" sz="900" dirty="0"/>
+                        <a:t>number</a:t>
+                      </a:r>
+                    </a:p>
+                  </a:txBody>
+                  <a:tcPr anchor="ctr"/>
+                </a:tc>
+                <a:extLst>
+                  <a:ext uri="{0D108BD9-81ED-4DB2-BD59-A6C34878D82A}">
+                    <a16:rowId xmlns:a16="http://schemas.microsoft.com/office/drawing/2014/main" val="651313564"/>
+                  </a:ext>
+                </a:extLst>
+              </a:tr>
+              <a:tr h="191479">
+                <a:tc>
+                  <a:txBody>
+                    <a:bodyPr/>
+                    <a:lstStyle/>
+                    <a:p>
+                      <a:r>
+                        <a:rPr lang="en-US" sz="900" dirty="0"/>
+                        <a:t>Metric 2</a:t>
+                      </a:r>
+                    </a:p>
+                  </a:txBody>
+                  <a:tcPr anchor="ctr"/>
+                </a:tc>
+                <a:tc>
+                  <a:txBody>
+                    <a:bodyPr/>
+                    <a:lstStyle/>
+                    <a:p>
+                      <a:pPr algn="ctr"/>
+                      <a:r>
+                        <a:rPr lang="en-US" sz="900" dirty="0"/>
+                        <a:t>number</a:t>
+                      </a:r>
+                    </a:p>
+                  </a:txBody>
+                  <a:tcPr anchor="ctr"/>
+                </a:tc>
+                <a:tc>
+                  <a:txBody>
+                    <a:bodyPr/>
+                    <a:lstStyle/>
+                    <a:p>
+                      <a:pPr algn="ctr"/>
+                      <a:r>
+                        <a:rPr lang="en-US" sz="900" dirty="0"/>
+                        <a:t>number</a:t>
+                      </a:r>
+                    </a:p>
+                  </a:txBody>
+                  <a:tcPr anchor="ctr"/>
+                </a:tc>
+                <a:tc>
+                  <a:txBody>
+                    <a:bodyPr/>
+                    <a:lstStyle/>
+                    <a:p>
+                      <a:pPr algn="ctr"/>
+                      <a:r>
+                        <a:rPr lang="en-US" sz="900" dirty="0"/>
+                        <a:t>number</a:t>
+                      </a:r>
+                    </a:p>
+                  </a:txBody>
+                  <a:tcPr anchor="ctr"/>
+                </a:tc>
+                <a:extLst>
+                  <a:ext uri="{0D108BD9-81ED-4DB2-BD59-A6C34878D82A}">
+                    <a16:rowId xmlns:a16="http://schemas.microsoft.com/office/drawing/2014/main" val="258950862"/>
+                  </a:ext>
+                </a:extLst>
+              </a:tr>
+              <a:tr h="191479">
+                <a:tc>
+                  <a:txBody>
+                    <a:bodyPr/>
+                    <a:lstStyle/>
+                    <a:p>
+                      <a:r>
+                        <a:rPr lang="en-US" sz="900" dirty="0"/>
+                        <a:t>metric 3</a:t>
+                      </a:r>
+                    </a:p>
+                  </a:txBody>
+                  <a:tcPr anchor="ctr"/>
+                </a:tc>
+                <a:tc>
+                  <a:txBody>
+                    <a:bodyPr/>
+                    <a:lstStyle/>
+                    <a:p>
+                      <a:pPr algn="ctr"/>
+                      <a:r>
+                        <a:rPr lang="en-US" sz="900" dirty="0"/>
+                        <a:t>number</a:t>
+                      </a:r>
+                    </a:p>
+                  </a:txBody>
+                  <a:tcPr anchor="ctr"/>
+                </a:tc>
+                <a:tc>
+                  <a:txBody>
+                    <a:bodyPr/>
+                    <a:lstStyle/>
+                    <a:p>
+                      <a:pPr algn="ctr"/>
+                      <a:r>
+                        <a:rPr lang="en-US" sz="900" dirty="0"/>
+                        <a:t>number</a:t>
+                      </a:r>
+                    </a:p>
+                  </a:txBody>
+                  <a:tcPr anchor="ctr"/>
+                </a:tc>
+                <a:tc>
+                  <a:txBody>
+                    <a:bodyPr/>
+                    <a:lstStyle/>
+                    <a:p>
+                      <a:pPr algn="ctr"/>
+                      <a:r>
+                        <a:rPr lang="en-US" sz="900" dirty="0"/>
+                        <a:t>number</a:t>
+                      </a:r>
+                    </a:p>
+                  </a:txBody>
+                  <a:tcPr anchor="ctr"/>
+                </a:tc>
+                <a:extLst>
+                  <a:ext uri="{0D108BD9-81ED-4DB2-BD59-A6C34878D82A}">
+                    <a16:rowId xmlns:a16="http://schemas.microsoft.com/office/drawing/2014/main" val="396502939"/>
+                  </a:ext>
+                </a:extLst>
+              </a:tr>
+              <a:tr h="191479">
+                <a:tc>
+                  <a:txBody>
+                    <a:bodyPr/>
+                    <a:lstStyle/>
+                    <a:p>
+                      <a:r>
+                        <a:rPr lang="en-US" sz="900" dirty="0"/>
+                        <a:t>metric 4</a:t>
+                      </a:r>
+                    </a:p>
+                  </a:txBody>
+                  <a:tcPr anchor="ctr"/>
+                </a:tc>
+                <a:tc>
+                  <a:txBody>
+                    <a:bodyPr/>
+                    <a:lstStyle/>
+                    <a:p>
+                      <a:pPr algn="ctr"/>
+                      <a:r>
+                        <a:rPr lang="en-US" sz="900" dirty="0"/>
+                        <a:t>number</a:t>
+                      </a:r>
+                    </a:p>
+                  </a:txBody>
+                  <a:tcPr anchor="ctr"/>
+                </a:tc>
+                <a:tc>
+                  <a:txBody>
+                    <a:bodyPr/>
+                    <a:lstStyle/>
+                    <a:p>
+                      <a:pPr algn="ctr"/>
+                      <a:r>
+                        <a:rPr lang="en-US" sz="900" dirty="0"/>
+                        <a:t>number</a:t>
+                      </a:r>
+                    </a:p>
+                  </a:txBody>
+                  <a:tcPr anchor="ctr"/>
+                </a:tc>
+                <a:tc>
+                  <a:txBody>
+                    <a:bodyPr/>
+                    <a:lstStyle/>
+                    <a:p>
+                      <a:pPr algn="ctr"/>
+                      <a:r>
+                        <a:rPr lang="en-US" sz="900" dirty="0"/>
+                        <a:t>number</a:t>
+                      </a:r>
+                    </a:p>
+                  </a:txBody>
+                  <a:tcPr anchor="ctr"/>
+                </a:tc>
+                <a:extLst>
+                  <a:ext uri="{0D108BD9-81ED-4DB2-BD59-A6C34878D82A}">
+                    <a16:rowId xmlns:a16="http://schemas.microsoft.com/office/drawing/2014/main" val="798638133"/>
+                  </a:ext>
+                </a:extLst>
+              </a:tr>
+              <a:tr h="191479">
+                <a:tc>
+                  <a:txBody>
+                    <a:bodyPr/>
+                    <a:lstStyle/>
+                    <a:p>
+                      <a:r>
+                        <a:rPr lang="en-US" sz="900" dirty="0"/>
+                        <a:t>…</a:t>
+                      </a:r>
+                    </a:p>
+                  </a:txBody>
+                  <a:tcPr anchor="ctr"/>
+                </a:tc>
+                <a:tc>
+                  <a:txBody>
+                    <a:bodyPr/>
+                    <a:lstStyle/>
+                    <a:p>
+                      <a:pPr algn="ctr"/>
+                      <a:r>
+                        <a:rPr lang="en-US" sz="900" dirty="0"/>
+                        <a:t>number</a:t>
+                      </a:r>
+                    </a:p>
+                  </a:txBody>
+                  <a:tcPr anchor="ctr"/>
+                </a:tc>
+                <a:tc>
+                  <a:txBody>
+                    <a:bodyPr/>
+                    <a:lstStyle/>
+                    <a:p>
+                      <a:pPr algn="ctr"/>
+                      <a:r>
+                        <a:rPr lang="en-US" sz="900" dirty="0"/>
+                        <a:t>number</a:t>
+                      </a:r>
+                    </a:p>
+                  </a:txBody>
+                  <a:tcPr anchor="ctr"/>
+                </a:tc>
+                <a:tc>
+                  <a:txBody>
+                    <a:bodyPr/>
+                    <a:lstStyle/>
+                    <a:p>
+                      <a:pPr algn="ctr"/>
+                      <a:r>
+                        <a:rPr lang="en-US" sz="900" dirty="0"/>
+                        <a:t>number</a:t>
+                      </a:r>
+                    </a:p>
+                  </a:txBody>
+                  <a:tcPr anchor="ctr"/>
+                </a:tc>
+                <a:extLst>
+                  <a:ext uri="{0D108BD9-81ED-4DB2-BD59-A6C34878D82A}">
+                    <a16:rowId xmlns:a16="http://schemas.microsoft.com/office/drawing/2014/main" val="1160819079"/>
+                  </a:ext>
+                </a:extLst>
+              </a:tr>
+            </a:tbl>
+          </a:graphicData>
+        </a:graphic>
+      </p:graphicFrame>
+      <p:sp>
+        <p:nvSpPr>
+          <p:cNvPr id="7" name="TextBox 6">
+            <a:extLst>
+              <a:ext uri="{FF2B5EF4-FFF2-40B4-BE49-F238E27FC236}">
+                <a16:creationId xmlns:a16="http://schemas.microsoft.com/office/drawing/2014/main" id="{9CF13E4E-18E2-42F1-847D-F0CB31034E36}"/>
+              </a:ext>
+            </a:extLst>
+          </p:cNvPr>
+          <p:cNvSpPr txBox="1"/>
+          <p:nvPr/>
+        </p:nvSpPr>
+        <p:spPr>
+          <a:xfrm>
+            <a:off x="609600" y="2093629"/>
+            <a:ext cx="10703859" cy="447383"/>
+          </a:xfrm>
+          <a:prstGeom prst="rect">
+            <a:avLst/>
+          </a:prstGeom>
+        </p:spPr>
+        <p:txBody>
+          <a:bodyPr vert="horz" wrap="square" lIns="91440" tIns="45720" rIns="91440" bIns="45720" rtlCol="0" anchor="t">
+            <a:noAutofit/>
+          </a:bodyPr>
+          <a:lstStyle>
+            <a:defPPr>
+              <a:defRPr lang="en-US"/>
+            </a:defPPr>
+            <a:lvl1pPr>
+              <a:defRPr sz="1200">
+                <a:solidFill>
+                  <a:schemeClr val="tx1">
+                    <a:lumMod val="50000"/>
+                    <a:lumOff val="50000"/>
+                  </a:schemeClr>
+                </a:solidFill>
+              </a:defRPr>
+            </a:lvl1pPr>
+          </a:lstStyle>
+          <a:p>
+            <a:r>
+              <a:rPr lang="en-GB" dirty="0"/>
+              <a:t>The selection of metrics by standard quality tag name should only be used for an application where the extension “Standard Quality Rules” is installed. If not, no metrics will be selected and </a:t>
+            </a:r>
+            <a:r>
+              <a:rPr lang="en-US" dirty="0"/>
+              <a:t>table</a:t>
+            </a:r>
+            <a:r>
+              <a:rPr lang="en-GB" dirty="0"/>
+              <a:t> will be empty.</a:t>
+            </a:r>
+            <a:endParaRPr lang="en-US" dirty="0"/>
+          </a:p>
+        </p:txBody>
+      </p:sp>
+    </p:spTree>
+    <p:extLst>
+      <p:ext uri="{BB962C8B-B14F-4D97-AF65-F5344CB8AC3E}">
+        <p14:creationId xmlns:p14="http://schemas.microsoft.com/office/powerpoint/2010/main" val="1655506363"/>
+      </p:ext>
+    </p:extLst>
+  </p:cSld>
+  <p:clrMapOvr>
+    <a:masterClrMapping/>
+  </p:clrMapOvr>
+</p:sld>
+</file>
+
+<file path=ppt/slides/slide13.xml><?xml version="1.0" encoding="utf-8"?>
+<p:sld xmlns:a="http://schemas.openxmlformats.org/drawingml/2006/main" xmlns:r="http://schemas.openxmlformats.org/officeDocument/2006/relationships" xmlns:p="http://schemas.openxmlformats.org/presentationml/2006/main">
+  <p:cSld>
+    <p:spTree>
+      <p:nvGrpSpPr>
+        <p:cNvPr id="1" name=""/>
+        <p:cNvGrpSpPr/>
+        <p:nvPr/>
+      </p:nvGrpSpPr>
+      <p:grpSpPr>
+        <a:xfrm>
+          <a:off x="0" y="0"/>
+          <a:ext cx="0" cy="0"/>
+          <a:chOff x="0" y="0"/>
+          <a:chExt cx="0" cy="0"/>
+        </a:xfrm>
+      </p:grpSpPr>
+      <p:sp>
+        <p:nvSpPr>
+          <p:cNvPr id="2" name="Title 1"/>
+          <p:cNvSpPr>
+            <a:spLocks noGrp="1"/>
+          </p:cNvSpPr>
+          <p:nvPr>
+            <p:ph type="title"/>
+          </p:nvPr>
+        </p:nvSpPr>
+        <p:spPr/>
+        <p:txBody>
+          <a:bodyPr/>
+          <a:lstStyle/>
+          <a:p>
+            <a:r>
+              <a:rPr lang="en-US" dirty="0"/>
+              <a:t>Notes</a:t>
+            </a:r>
+          </a:p>
+        </p:txBody>
+      </p:sp>
+      <p:sp>
+        <p:nvSpPr>
+          <p:cNvPr id="3" name="Text Placeholder 2"/>
+          <p:cNvSpPr>
+            <a:spLocks noGrp="1"/>
+          </p:cNvSpPr>
+          <p:nvPr>
+            <p:ph type="body" sz="quarter" idx="13"/>
+          </p:nvPr>
+        </p:nvSpPr>
+        <p:spPr/>
+        <p:txBody>
+          <a:bodyPr/>
+          <a:lstStyle/>
+          <a:p>
+            <a:r>
               <a:rPr lang="en-GB" b="1" u="sng" dirty="0"/>
               <a:t>No space can be left</a:t>
             </a:r>
@@ -14139,12 +14734,8 @@
               <a:t>VIOLATIONS</a:t>
             </a:r>
             <a:r>
-              <a:rPr lang="en-GB"/>
-              <a:t>: if </a:t>
-            </a:r>
-            <a:r>
               <a:rPr lang="en-GB" dirty="0"/>
-              <a:t>no information filled, then default value is "ALL"</a:t>
+              <a:t>: if no information filled, then default value is "ALL"</a:t>
             </a:r>
             <a:endParaRPr lang="en-US" dirty="0"/>
           </a:p>
@@ -15832,6 +16423,122 @@
             <a:r>
               <a:rPr lang="en-US" sz="1200" dirty="0"/>
               <a:t>CRITICAL_QUALITY_RULES</a:t>
+            </a:r>
+            <a:endParaRPr lang="en-US" dirty="0"/>
+          </a:p>
+        </p:txBody>
+      </p:sp>
+      <p:sp>
+        <p:nvSpPr>
+          <p:cNvPr id="47" name="Rectangle: Rounded Corners 46">
+            <a:extLst>
+              <a:ext uri="{FF2B5EF4-FFF2-40B4-BE49-F238E27FC236}">
+                <a16:creationId xmlns:a16="http://schemas.microsoft.com/office/drawing/2014/main" id="{8D908626-9621-4286-9F69-CD484C2EE321}"/>
+              </a:ext>
+            </a:extLst>
+          </p:cNvPr>
+          <p:cNvSpPr/>
+          <p:nvPr/>
+        </p:nvSpPr>
+        <p:spPr>
+          <a:xfrm>
+            <a:off x="4686677" y="3490689"/>
+            <a:ext cx="2382338" cy="322080"/>
+          </a:xfrm>
+          <a:prstGeom prst="roundRect">
+            <a:avLst/>
+          </a:prstGeom>
+          <a:solidFill>
+            <a:schemeClr val="accent2"/>
+          </a:solidFill>
+          <a:ln>
+            <a:noFill/>
+          </a:ln>
+        </p:spPr>
+        <p:style>
+          <a:lnRef idx="2">
+            <a:schemeClr val="accent1">
+              <a:shade val="50000"/>
+            </a:schemeClr>
+          </a:lnRef>
+          <a:fillRef idx="1">
+            <a:schemeClr val="accent1"/>
+          </a:fillRef>
+          <a:effectRef idx="0">
+            <a:schemeClr val="accent1"/>
+          </a:effectRef>
+          <a:fontRef idx="minor">
+            <a:schemeClr val="lt1"/>
+          </a:fontRef>
+        </p:style>
+        <p:txBody>
+          <a:bodyPr rtlCol="0" anchor="ctr"/>
+          <a:lstStyle/>
+          <a:p>
+            <a:pPr algn="ctr"/>
+            <a:r>
+              <a:rPr lang="en-US" sz="1200" dirty="0"/>
+              <a:t>&lt;STANDARD TAG NAME&gt;**</a:t>
+            </a:r>
+          </a:p>
+        </p:txBody>
+      </p:sp>
+      <p:sp>
+        <p:nvSpPr>
+          <p:cNvPr id="48" name="TextBox 47">
+            <a:extLst>
+              <a:ext uri="{FF2B5EF4-FFF2-40B4-BE49-F238E27FC236}">
+                <a16:creationId xmlns:a16="http://schemas.microsoft.com/office/drawing/2014/main" id="{7FBAC8CD-5E5B-44F6-9311-90F8C1314E52}"/>
+              </a:ext>
+            </a:extLst>
+          </p:cNvPr>
+          <p:cNvSpPr txBox="1"/>
+          <p:nvPr/>
+        </p:nvSpPr>
+        <p:spPr>
+          <a:xfrm>
+            <a:off x="586501" y="5828677"/>
+            <a:ext cx="10703859" cy="447383"/>
+          </a:xfrm>
+          <a:prstGeom prst="rect">
+            <a:avLst/>
+          </a:prstGeom>
+        </p:spPr>
+        <p:txBody>
+          <a:bodyPr vert="horz" wrap="square" lIns="91440" tIns="45720" rIns="91440" bIns="45720" rtlCol="0" anchor="t">
+            <a:noAutofit/>
+          </a:bodyPr>
+          <a:lstStyle>
+            <a:defPPr>
+              <a:defRPr lang="en-US"/>
+            </a:defPPr>
+            <a:lvl1pPr>
+              <a:defRPr sz="1200">
+                <a:solidFill>
+                  <a:schemeClr val="tx1">
+                    <a:lumMod val="50000"/>
+                    <a:lumOff val="50000"/>
+                  </a:schemeClr>
+                </a:solidFill>
+              </a:defRPr>
+            </a:lvl1pPr>
+          </a:lstStyle>
+          <a:p>
+            <a:r>
+              <a:rPr lang="en-US" dirty="0"/>
+              <a:t>** </a:t>
+            </a:r>
+            <a:r>
+              <a:rPr lang="en-GB" dirty="0"/>
+              <a:t>The selection of metrics by standard quality tag name should only be used for an application where the extension “Standard Quality Rules” is installed. If not, no metrics will be selected and </a:t>
+            </a:r>
+            <a:r>
+              <a:rPr lang="en-US" dirty="0"/>
+              <a:t>table</a:t>
+            </a:r>
+            <a:r>
+              <a:rPr lang="en-GB" dirty="0"/>
+              <a:t> will be empty.</a:t>
             </a:r>
             <a:endParaRPr lang="en-US" dirty="0"/>
           </a:p>

--- a/CastReporting.Reporting/TemplatesFiles/Generic Table Definition.pptx
+++ b/CastReporting.Reporting/TemplatesFiles/Generic Table Definition.pptx
@@ -220,7 +220,7 @@
           <a:p>
             <a:fld id="{BE7CF963-E58D-FC4D-BA9E-60A980752DC6}" type="datetimeFigureOut">
               <a:rPr lang="en-US" smtClean="0"/>
-              <a:t>6/26/2018</a:t>
+              <a:t>9/7/2018</a:t>
             </a:fld>
             <a:endParaRPr lang="en-US"/>
           </a:p>
@@ -877,7 +877,7 @@
           <a:p>
             <a:fld id="{B590C078-9131-4E49-8A0D-400FEE8377B5}" type="datetimeFigureOut">
               <a:rPr lang="en-US" smtClean="0"/>
-              <a:t>6/26/2018</a:t>
+              <a:t>9/7/2018</a:t>
             </a:fld>
             <a:endParaRPr lang="en-US"/>
           </a:p>
@@ -4462,7 +4462,7 @@
           <a:p>
             <a:fld id="{B590C078-9131-4E49-8A0D-400FEE8377B5}" type="datetimeFigureOut">
               <a:rPr lang="en-US" smtClean="0"/>
-              <a:t>6/26/2018</a:t>
+              <a:t>9/7/2018</a:t>
             </a:fld>
             <a:endParaRPr lang="en-US"/>
           </a:p>
@@ -8540,7 +8540,7 @@
           <a:p>
             <a:fld id="{B590C078-9131-4E49-8A0D-400FEE8377B5}" type="datetimeFigureOut">
               <a:rPr lang="en-US" smtClean="0"/>
-              <a:t>6/26/2018</a:t>
+              <a:t>9/7/2018</a:t>
             </a:fld>
             <a:endParaRPr lang="en-US"/>
           </a:p>
@@ -12365,7 +12365,7 @@
           <a:p>
             <a:fld id="{B590C078-9131-4E49-8A0D-400FEE8377B5}" type="datetimeFigureOut">
               <a:rPr lang="en-US" smtClean="0"/>
-              <a:t>6/26/2018</a:t>
+              <a:t>9/7/2018</a:t>
             </a:fld>
             <a:endParaRPr lang="en-US"/>
           </a:p>
@@ -16530,7 +16530,15 @@
             </a:r>
             <a:r>
               <a:rPr lang="en-GB" dirty="0"/>
-              <a:t>The selection of metrics by standard quality tag name should only be used for an application where the extension “Standard Quality Rules” is installed. If not, no metrics will be selected and </a:t>
+              <a:t>The selection of metrics by standard quality tag name should only be used for an application where the </a:t>
+            </a:r>
+            <a:r>
+              <a:rPr lang="en-GB"/>
+              <a:t>extension “Quality Standards Support” </a:t>
+            </a:r>
+            <a:r>
+              <a:rPr lang="en-GB" dirty="0"/>
+              <a:t>is installed. If not, no metrics will be selected and </a:t>
             </a:r>
             <a:r>
               <a:rPr lang="en-US" dirty="0"/>

--- a/CastReporting.Reporting/TemplatesFiles/Generic Table Definition.pptx
+++ b/CastReporting.Reporting/TemplatesFiles/Generic Table Definition.pptx
@@ -220,7 +220,7 @@
           <a:p>
             <a:fld id="{BE7CF963-E58D-FC4D-BA9E-60A980752DC6}" type="datetimeFigureOut">
               <a:rPr lang="en-US" smtClean="0"/>
-              <a:t>9/7/2018</a:t>
+              <a:t>9/27/2018</a:t>
             </a:fld>
             <a:endParaRPr lang="en-US"/>
           </a:p>
@@ -877,7 +877,7 @@
           <a:p>
             <a:fld id="{B590C078-9131-4E49-8A0D-400FEE8377B5}" type="datetimeFigureOut">
               <a:rPr lang="en-US" smtClean="0"/>
-              <a:t>9/7/2018</a:t>
+              <a:t>9/27/2018</a:t>
             </a:fld>
             <a:endParaRPr lang="en-US"/>
           </a:p>
@@ -4462,7 +4462,7 @@
           <a:p>
             <a:fld id="{B590C078-9131-4E49-8A0D-400FEE8377B5}" type="datetimeFigureOut">
               <a:rPr lang="en-US" smtClean="0"/>
-              <a:t>9/7/2018</a:t>
+              <a:t>9/27/2018</a:t>
             </a:fld>
             <a:endParaRPr lang="en-US"/>
           </a:p>
@@ -8540,7 +8540,7 @@
           <a:p>
             <a:fld id="{B590C078-9131-4E49-8A0D-400FEE8377B5}" type="datetimeFigureOut">
               <a:rPr lang="en-US" smtClean="0"/>
-              <a:t>9/7/2018</a:t>
+              <a:t>9/27/2018</a:t>
             </a:fld>
             <a:endParaRPr lang="en-US"/>
           </a:p>
@@ -12365,7 +12365,7 @@
           <a:p>
             <a:fld id="{B590C078-9131-4E49-8A0D-400FEE8377B5}" type="datetimeFigureOut">
               <a:rPr lang="en-US" smtClean="0"/>
-              <a:t>9/7/2018</a:t>
+              <a:t>9/27/2018</a:t>
             </a:fld>
             <a:endParaRPr lang="en-US"/>
           </a:p>
@@ -14604,7 +14604,15 @@
           <a:p>
             <a:r>
               <a:rPr lang="en-GB" dirty="0"/>
-              <a:t>The selection of metrics by standard quality tag name should only be used for an application where the extension “Standard Quality Rules” is installed. If not, no metrics will be selected and </a:t>
+              <a:t>The selection of metrics by standard quality tag name should only be used for an application where the </a:t>
+            </a:r>
+            <a:r>
+              <a:rPr lang="en-GB"/>
+              <a:t>extension “Quality Standards Support” </a:t>
+            </a:r>
+            <a:r>
+              <a:rPr lang="en-GB" dirty="0"/>
+              <a:t>is installed. If not, no metrics will be selected and </a:t>
             </a:r>
             <a:r>
               <a:rPr lang="en-US" dirty="0"/>
@@ -16530,15 +16538,7 @@
             </a:r>
             <a:r>
               <a:rPr lang="en-GB" dirty="0"/>
-              <a:t>The selection of metrics by standard quality tag name should only be used for an application where the </a:t>
-            </a:r>
-            <a:r>
-              <a:rPr lang="en-GB"/>
-              <a:t>extension “Quality Standards Support” </a:t>
-            </a:r>
-            <a:r>
-              <a:rPr lang="en-GB" dirty="0"/>
-              <a:t>is installed. If not, no metrics will be selected and </a:t>
+              <a:t>The selection of metrics by standard quality tag name should only be used for an application where the extension “Quality Standards Support” is installed. If not, no metrics will be selected and </a:t>
             </a:r>
             <a:r>
               <a:rPr lang="en-US" dirty="0"/>

--- a/CastReporting.Reporting/TemplatesFiles/Generic Table Definition.pptx
+++ b/CastReporting.Reporting/TemplatesFiles/Generic Table Definition.pptx
@@ -5,7 +5,7 @@
     <p:sldMasterId id="2147483648" r:id="rId1"/>
   </p:sldMasterIdLst>
   <p:notesMasterIdLst>
-    <p:notesMasterId r:id="rId15"/>
+    <p:notesMasterId r:id="rId16"/>
   </p:notesMasterIdLst>
   <p:sldIdLst>
     <p:sldId id="342" r:id="rId2"/>
@@ -20,7 +20,8 @@
     <p:sldId id="372" r:id="rId11"/>
     <p:sldId id="385" r:id="rId12"/>
     <p:sldId id="387" r:id="rId13"/>
-    <p:sldId id="386" r:id="rId14"/>
+    <p:sldId id="388" r:id="rId14"/>
+    <p:sldId id="386" r:id="rId15"/>
   </p:sldIdLst>
   <p:sldSz cx="12192000" cy="6858000"/>
   <p:notesSz cx="6858000" cy="9144000"/>
@@ -220,7 +221,7 @@
           <a:p>
             <a:fld id="{BE7CF963-E58D-FC4D-BA9E-60A980752DC6}" type="datetimeFigureOut">
               <a:rPr lang="en-US" smtClean="0"/>
-              <a:t>9/27/2018</a:t>
+              <a:t>9/19/2019</a:t>
             </a:fld>
             <a:endParaRPr lang="en-US"/>
           </a:p>
@@ -877,7 +878,7 @@
           <a:p>
             <a:fld id="{B590C078-9131-4E49-8A0D-400FEE8377B5}" type="datetimeFigureOut">
               <a:rPr lang="en-US" smtClean="0"/>
-              <a:t>9/27/2018</a:t>
+              <a:t>9/19/2019</a:t>
             </a:fld>
             <a:endParaRPr lang="en-US"/>
           </a:p>
@@ -1221,7 +1222,7 @@
   <p:clrMapOvr>
     <a:masterClrMapping/>
   </p:clrMapOvr>
-  <p:extLst mod="1">
+  <p:extLst>
     <p:ext uri="{DCECCB84-F9BA-43D5-87BE-67443E8EF086}">
       <p15:sldGuideLst xmlns:p15="http://schemas.microsoft.com/office/powerpoint/2012/main">
         <p15:guide id="2" pos="384">
@@ -1566,7 +1567,7 @@
   <p:clrMapOvr>
     <a:masterClrMapping/>
   </p:clrMapOvr>
-  <p:extLst mod="1">
+  <p:extLst>
     <p:ext uri="{DCECCB84-F9BA-43D5-87BE-67443E8EF086}">
       <p15:sldGuideLst xmlns:p15="http://schemas.microsoft.com/office/powerpoint/2012/main">
         <p15:guide id="2" pos="384">
@@ -1911,7 +1912,7 @@
   <p:clrMapOvr>
     <a:masterClrMapping/>
   </p:clrMapOvr>
-  <p:extLst mod="1">
+  <p:extLst>
     <p:ext uri="{DCECCB84-F9BA-43D5-87BE-67443E8EF086}">
       <p15:sldGuideLst xmlns:p15="http://schemas.microsoft.com/office/powerpoint/2012/main">
         <p15:guide id="2" pos="384">
@@ -2256,7 +2257,7 @@
   <p:clrMapOvr>
     <a:masterClrMapping/>
   </p:clrMapOvr>
-  <p:extLst mod="1">
+  <p:extLst>
     <p:ext uri="{DCECCB84-F9BA-43D5-87BE-67443E8EF086}">
       <p15:sldGuideLst xmlns:p15="http://schemas.microsoft.com/office/powerpoint/2012/main">
         <p15:guide id="2" pos="384">
@@ -2604,7 +2605,7 @@
   <p:clrMapOvr>
     <a:masterClrMapping/>
   </p:clrMapOvr>
-  <p:extLst mod="1">
+  <p:extLst>
     <p:ext uri="{DCECCB84-F9BA-43D5-87BE-67443E8EF086}">
       <p15:sldGuideLst xmlns:p15="http://schemas.microsoft.com/office/powerpoint/2012/main">
         <p15:guide id="2" pos="384">
@@ -2952,7 +2953,7 @@
   <p:clrMapOvr>
     <a:masterClrMapping/>
   </p:clrMapOvr>
-  <p:extLst mod="1">
+  <p:extLst>
     <p:ext uri="{DCECCB84-F9BA-43D5-87BE-67443E8EF086}">
       <p15:sldGuideLst xmlns:p15="http://schemas.microsoft.com/office/powerpoint/2012/main">
         <p15:guide id="2" pos="384">
@@ -3298,7 +3299,7 @@
   <p:clrMapOvr>
     <a:masterClrMapping/>
   </p:clrMapOvr>
-  <p:extLst mod="1">
+  <p:extLst>
     <p:ext uri="{DCECCB84-F9BA-43D5-87BE-67443E8EF086}">
       <p15:sldGuideLst xmlns:p15="http://schemas.microsoft.com/office/powerpoint/2012/main">
         <p15:guide id="2" pos="384">
@@ -3645,7 +3646,7 @@
   <p:clrMapOvr>
     <a:masterClrMapping/>
   </p:clrMapOvr>
-  <p:extLst mod="1">
+  <p:extLst>
     <p:ext uri="{DCECCB84-F9BA-43D5-87BE-67443E8EF086}">
       <p15:sldGuideLst xmlns:p15="http://schemas.microsoft.com/office/powerpoint/2012/main">
         <p15:guide id="2" pos="384">
@@ -3991,7 +3992,7 @@
   <p:clrMapOvr>
     <a:masterClrMapping/>
   </p:clrMapOvr>
-  <p:extLst mod="1">
+  <p:extLst>
     <p:ext uri="{DCECCB84-F9BA-43D5-87BE-67443E8EF086}">
       <p15:sldGuideLst xmlns:p15="http://schemas.microsoft.com/office/powerpoint/2012/main">
         <p15:guide id="2" pos="384">
@@ -4337,7 +4338,7 @@
   <p:clrMapOvr>
     <a:masterClrMapping/>
   </p:clrMapOvr>
-  <p:extLst mod="1">
+  <p:extLst>
     <p:ext uri="{DCECCB84-F9BA-43D5-87BE-67443E8EF086}">
       <p15:sldGuideLst xmlns:p15="http://schemas.microsoft.com/office/powerpoint/2012/main">
         <p15:guide id="2" pos="384">
@@ -4462,7 +4463,7 @@
           <a:p>
             <a:fld id="{B590C078-9131-4E49-8A0D-400FEE8377B5}" type="datetimeFigureOut">
               <a:rPr lang="en-US" smtClean="0"/>
-              <a:t>9/27/2018</a:t>
+              <a:t>9/19/2019</a:t>
             </a:fld>
             <a:endParaRPr lang="en-US"/>
           </a:p>
@@ -4857,7 +4858,7 @@
   <p:clrMapOvr>
     <a:masterClrMapping/>
   </p:clrMapOvr>
-  <p:extLst mod="1">
+  <p:extLst>
     <p:ext uri="{DCECCB84-F9BA-43D5-87BE-67443E8EF086}">
       <p15:sldGuideLst xmlns:p15="http://schemas.microsoft.com/office/powerpoint/2012/main">
         <p15:guide id="2" pos="384">
@@ -5206,7 +5207,7 @@
   <p:clrMapOvr>
     <a:masterClrMapping/>
   </p:clrMapOvr>
-  <p:extLst mod="1">
+  <p:extLst>
     <p:ext uri="{DCECCB84-F9BA-43D5-87BE-67443E8EF086}">
       <p15:sldGuideLst xmlns:p15="http://schemas.microsoft.com/office/powerpoint/2012/main">
         <p15:guide id="2" pos="384">
@@ -5552,7 +5553,7 @@
   <p:clrMapOvr>
     <a:masterClrMapping/>
   </p:clrMapOvr>
-  <p:extLst mod="1">
+  <p:extLst>
     <p:ext uri="{DCECCB84-F9BA-43D5-87BE-67443E8EF086}">
       <p15:sldGuideLst xmlns:p15="http://schemas.microsoft.com/office/powerpoint/2012/main">
         <p15:guide id="2" pos="384">
@@ -5944,7 +5945,7 @@
   <p:clrMapOvr>
     <a:masterClrMapping/>
   </p:clrMapOvr>
-  <p:extLst mod="1">
+  <p:extLst>
     <p:ext uri="{DCECCB84-F9BA-43D5-87BE-67443E8EF086}">
       <p15:sldGuideLst xmlns:p15="http://schemas.microsoft.com/office/powerpoint/2012/main">
         <p15:guide id="2" pos="384">
@@ -6336,7 +6337,7 @@
   <p:clrMapOvr>
     <a:masterClrMapping/>
   </p:clrMapOvr>
-  <p:extLst mod="1">
+  <p:extLst>
     <p:ext uri="{DCECCB84-F9BA-43D5-87BE-67443E8EF086}">
       <p15:sldGuideLst xmlns:p15="http://schemas.microsoft.com/office/powerpoint/2012/main">
         <p15:guide id="2" pos="384">
@@ -6728,7 +6729,7 @@
   <p:clrMapOvr>
     <a:masterClrMapping/>
   </p:clrMapOvr>
-  <p:extLst mod="1">
+  <p:extLst>
     <p:ext uri="{DCECCB84-F9BA-43D5-87BE-67443E8EF086}">
       <p15:sldGuideLst xmlns:p15="http://schemas.microsoft.com/office/powerpoint/2012/main">
         <p15:guide id="2" pos="384">
@@ -7120,7 +7121,7 @@
   <p:clrMapOvr>
     <a:masterClrMapping/>
   </p:clrMapOvr>
-  <p:extLst mod="1">
+  <p:extLst>
     <p:ext uri="{DCECCB84-F9BA-43D5-87BE-67443E8EF086}">
       <p15:sldGuideLst xmlns:p15="http://schemas.microsoft.com/office/powerpoint/2012/main">
         <p15:guide id="2" pos="384">
@@ -7512,7 +7513,7 @@
   <p:clrMapOvr>
     <a:masterClrMapping/>
   </p:clrMapOvr>
-  <p:extLst mod="1">
+  <p:extLst>
     <p:ext uri="{DCECCB84-F9BA-43D5-87BE-67443E8EF086}">
       <p15:sldGuideLst xmlns:p15="http://schemas.microsoft.com/office/powerpoint/2012/main">
         <p15:guide id="2" pos="384">
@@ -7898,7 +7899,7 @@
   <p:clrMapOvr>
     <a:masterClrMapping/>
   </p:clrMapOvr>
-  <p:extLst mod="1">
+  <p:extLst>
     <p:ext uri="{DCECCB84-F9BA-43D5-87BE-67443E8EF086}">
       <p15:sldGuideLst xmlns:p15="http://schemas.microsoft.com/office/powerpoint/2012/main">
         <p15:guide id="2" pos="384">
@@ -8284,7 +8285,7 @@
   <p:clrMapOvr>
     <a:masterClrMapping/>
   </p:clrMapOvr>
-  <p:extLst mod="1">
+  <p:extLst>
     <p:ext uri="{DCECCB84-F9BA-43D5-87BE-67443E8EF086}">
       <p15:sldGuideLst xmlns:p15="http://schemas.microsoft.com/office/powerpoint/2012/main">
         <p15:guide id="2" pos="384">
@@ -8540,7 +8541,7 @@
           <a:p>
             <a:fld id="{B590C078-9131-4E49-8A0D-400FEE8377B5}" type="datetimeFigureOut">
               <a:rPr lang="en-US" smtClean="0"/>
-              <a:t>9/27/2018</a:t>
+              <a:t>9/19/2019</a:t>
             </a:fld>
             <a:endParaRPr lang="en-US"/>
           </a:p>
@@ -10415,7 +10416,7 @@
   <p:clrMapOvr>
     <a:masterClrMapping/>
   </p:clrMapOvr>
-  <p:extLst mod="1">
+  <p:extLst>
     <p:ext uri="{DCECCB84-F9BA-43D5-87BE-67443E8EF086}">
       <p15:sldGuideLst xmlns:p15="http://schemas.microsoft.com/office/powerpoint/2012/main">
         <p15:guide id="1" pos="3840">
@@ -10841,7 +10842,7 @@
   <p:clrMapOvr>
     <a:masterClrMapping/>
   </p:clrMapOvr>
-  <p:extLst mod="1">
+  <p:extLst>
     <p:ext uri="{DCECCB84-F9BA-43D5-87BE-67443E8EF086}">
       <p15:sldGuideLst xmlns:p15="http://schemas.microsoft.com/office/powerpoint/2012/main">
         <p15:guide id="1" pos="3840">
@@ -11264,7 +11265,7 @@
   <p:clrMapOvr>
     <a:masterClrMapping/>
   </p:clrMapOvr>
-  <p:extLst mod="1">
+  <p:extLst>
     <p:ext uri="{DCECCB84-F9BA-43D5-87BE-67443E8EF086}">
       <p15:sldGuideLst xmlns:p15="http://schemas.microsoft.com/office/powerpoint/2012/main">
         <p15:guide id="1" pos="3840">
@@ -11685,7 +11686,7 @@
   <p:clrMapOvr>
     <a:masterClrMapping/>
   </p:clrMapOvr>
-  <p:extLst mod="1">
+  <p:extLst>
     <p:ext uri="{DCECCB84-F9BA-43D5-87BE-67443E8EF086}">
       <p15:sldGuideLst xmlns:p15="http://schemas.microsoft.com/office/powerpoint/2012/main">
         <p15:guide id="1" pos="3840">
@@ -11866,7 +11867,7 @@
   <p:clrMapOvr>
     <a:masterClrMapping/>
   </p:clrMapOvr>
-  <p:extLst mod="1">
+  <p:extLst>
     <p:ext uri="{DCECCB84-F9BA-43D5-87BE-67443E8EF086}">
       <p15:sldGuideLst xmlns:p15="http://schemas.microsoft.com/office/powerpoint/2012/main">
         <p15:guide id="1" pos="3840" userDrawn="1">
@@ -12211,7 +12212,7 @@
   <p:clrMapOvr>
     <a:masterClrMapping/>
   </p:clrMapOvr>
-  <p:extLst mod="1">
+  <p:extLst>
     <p:ext uri="{DCECCB84-F9BA-43D5-87BE-67443E8EF086}">
       <p15:sldGuideLst xmlns:p15="http://schemas.microsoft.com/office/powerpoint/2012/main">
         <p15:guide id="2" pos="384">
@@ -12365,7 +12366,7 @@
           <a:p>
             <a:fld id="{B590C078-9131-4E49-8A0D-400FEE8377B5}" type="datetimeFigureOut">
               <a:rPr lang="en-US" smtClean="0"/>
-              <a:t>9/27/2018</a:t>
+              <a:t>9/19/2019</a:t>
             </a:fld>
             <a:endParaRPr lang="en-US"/>
           </a:p>
@@ -12827,7 +12828,7 @@
       </a:lvl9pPr>
     </p:otherStyle>
   </p:txStyles>
-  <p:extLst mod="1">
+  <p:extLst>
     <p:ext uri="{27BBF7A9-308A-43DC-89C8-2F10F3537804}">
       <p15:sldGuideLst xmlns:p15="http://schemas.microsoft.com/office/powerpoint/2012/main">
         <p15:guide id="1" pos="3840" userDrawn="1">
@@ -13509,9 +13510,7 @@
           <p:cNvGraphicFramePr>
             <a:graphicFrameLocks noGrp="1"/>
           </p:cNvGraphicFramePr>
-          <p:nvPr>
-            <p:extLst/>
-          </p:nvPr>
+          <p:nvPr/>
         </p:nvGraphicFramePr>
         <p:xfrm>
           <a:off x="1906325" y="2799675"/>
@@ -14640,6 +14639,493 @@
 </file>
 
 <file path=ppt/slides/slide13.xml><?xml version="1.0" encoding="utf-8"?>
+<p:sld xmlns:a="http://schemas.openxmlformats.org/drawingml/2006/main" xmlns:r="http://schemas.openxmlformats.org/officeDocument/2006/relationships" xmlns:p="http://schemas.openxmlformats.org/presentationml/2006/main">
+  <p:cSld>
+    <p:spTree>
+      <p:nvGrpSpPr>
+        <p:cNvPr id="1" name=""/>
+        <p:cNvGrpSpPr/>
+        <p:nvPr/>
+      </p:nvGrpSpPr>
+      <p:grpSpPr>
+        <a:xfrm>
+          <a:off x="0" y="0"/>
+          <a:ext cx="0" cy="0"/>
+          <a:chOff x="0" y="0"/>
+          <a:chExt cx="0" cy="0"/>
+        </a:xfrm>
+      </p:grpSpPr>
+      <p:sp>
+        <p:nvSpPr>
+          <p:cNvPr id="2" name="Title 1"/>
+          <p:cNvSpPr>
+            <a:spLocks noGrp="1"/>
+          </p:cNvSpPr>
+          <p:nvPr>
+            <p:ph type="title"/>
+          </p:nvPr>
+        </p:nvSpPr>
+        <p:spPr/>
+        <p:txBody>
+          <a:bodyPr/>
+          <a:lstStyle/>
+          <a:p>
+            <a:r>
+              <a:rPr lang="en-US" dirty="0"/>
+              <a:t>SAMPLE 10</a:t>
+            </a:r>
+          </a:p>
+        </p:txBody>
+      </p:sp>
+      <p:sp>
+        <p:nvSpPr>
+          <p:cNvPr id="3" name="Text Placeholder 2"/>
+          <p:cNvSpPr>
+            <a:spLocks noGrp="1"/>
+          </p:cNvSpPr>
+          <p:nvPr>
+            <p:ph type="body" sz="quarter" idx="13"/>
+          </p:nvPr>
+        </p:nvSpPr>
+        <p:spPr>
+          <a:xfrm>
+            <a:off x="642730" y="1333500"/>
+            <a:ext cx="10688515" cy="4351338"/>
+          </a:xfrm>
+        </p:spPr>
+        <p:txBody>
+          <a:bodyPr/>
+          <a:lstStyle/>
+          <a:p>
+            <a:r>
+              <a:rPr lang="en-GB" dirty="0"/>
+              <a:t>Table to monitor custom expressions</a:t>
+            </a:r>
+            <a:endParaRPr lang="en-US" dirty="0"/>
+          </a:p>
+          <a:p>
+            <a:r>
+              <a:rPr lang="en-US" sz="1400" dirty="0"/>
+              <a:t>TABLE;GENERIC_TABLE;COL1=CUSTOM_EXPRESSIONS,ROW1=MODULES,SNAPSHOTS=CURRENT,CUSTOM_EXPRESSIONS=(</a:t>
+            </a:r>
+            <a:r>
+              <a:rPr lang="en-US" sz="1400" dirty="0" err="1"/>
+              <a:t>a+b</a:t>
+            </a:r>
+            <a:r>
+              <a:rPr lang="en-US" sz="1400" dirty="0"/>
+              <a:t>)/2|c/</a:t>
+            </a:r>
+            <a:r>
+              <a:rPr lang="en-US" sz="1400" dirty="0" err="1"/>
+              <a:t>d,PARAMS</a:t>
+            </a:r>
+            <a:r>
+              <a:rPr lang="en-US" sz="1400" dirty="0"/>
+              <a:t>=QR a QR b SZ c SZ </a:t>
+            </a:r>
+            <a:r>
+              <a:rPr lang="en-US" sz="1400" dirty="0" err="1"/>
+              <a:t>d,a</a:t>
+            </a:r>
+            <a:r>
+              <a:rPr lang="en-US" sz="1400" dirty="0"/>
+              <a:t>=60013,b=60014,c=67211,d=10151,MODULES=ALL</a:t>
+            </a:r>
+          </a:p>
+        </p:txBody>
+      </p:sp>
+      <p:pic>
+        <p:nvPicPr>
+          <p:cNvPr id="4" name="Picture 3"/>
+          <p:cNvPicPr>
+            <a:picLocks noChangeAspect="1"/>
+          </p:cNvPicPr>
+          <p:nvPr/>
+        </p:nvPicPr>
+        <p:blipFill>
+          <a:blip r:embed="rId2">
+            <a:extLst>
+              <a:ext uri="{28A0092B-C50C-407E-A947-70E740481C1C}">
+                <a14:useLocalDpi xmlns:a14="http://schemas.microsoft.com/office/drawing/2010/main" val="0"/>
+              </a:ext>
+            </a:extLst>
+          </a:blip>
+          <a:stretch>
+            <a:fillRect/>
+          </a:stretch>
+        </p:blipFill>
+        <p:spPr>
+          <a:xfrm>
+            <a:off x="258603" y="127459"/>
+            <a:ext cx="655797" cy="657255"/>
+          </a:xfrm>
+          <a:prstGeom prst="rect">
+            <a:avLst/>
+          </a:prstGeom>
+        </p:spPr>
+      </p:pic>
+      <p:graphicFrame>
+        <p:nvGraphicFramePr>
+          <p:cNvPr id="6" name="Table 5" descr="TABLE;GENERIC_TABLE;COL1=CUSTOM_EXPRESSIONS,ROW1=MODULES,SNAPSHOTS=CURRENT,CUSTOM_EXPRESSIONS=(a+b)/2|c/d,PARAMS=QR a QR b SZ c SZ d,a=60013,b=60014,c=67211,d=10151,MODULES=ALL"/>
+          <p:cNvGraphicFramePr>
+            <a:graphicFrameLocks noGrp="1"/>
+          </p:cNvGraphicFramePr>
+          <p:nvPr>
+            <p:extLst>
+              <p:ext uri="{D42A27DB-BD31-4B8C-83A1-F6EECF244321}">
+                <p14:modId xmlns:p14="http://schemas.microsoft.com/office/powerpoint/2010/main" val="1323387418"/>
+              </p:ext>
+            </p:extLst>
+          </p:nvPr>
+        </p:nvGraphicFramePr>
+        <p:xfrm>
+          <a:off x="1369461" y="2823369"/>
+          <a:ext cx="9036999" cy="1371600"/>
+        </p:xfrm>
+        <a:graphic>
+          <a:graphicData uri="http://schemas.openxmlformats.org/drawingml/2006/table">
+            <a:tbl>
+              <a:tblPr firstRow="1" bandRow="1">
+                <a:tableStyleId>{68D230F3-CF80-4859-8CE7-A43EE81993B5}</a:tableStyleId>
+              </a:tblPr>
+              <a:tblGrid>
+                <a:gridCol w="4877955">
+                  <a:extLst>
+                    <a:ext uri="{9D8B030D-6E8A-4147-A177-3AD203B41FA5}">
+                      <a16:colId xmlns:a16="http://schemas.microsoft.com/office/drawing/2014/main" val="2686098126"/>
+                    </a:ext>
+                  </a:extLst>
+                </a:gridCol>
+                <a:gridCol w="2135567">
+                  <a:extLst>
+                    <a:ext uri="{9D8B030D-6E8A-4147-A177-3AD203B41FA5}">
+                      <a16:colId xmlns:a16="http://schemas.microsoft.com/office/drawing/2014/main" val="4068201546"/>
+                    </a:ext>
+                  </a:extLst>
+                </a:gridCol>
+                <a:gridCol w="2023477">
+                  <a:extLst>
+                    <a:ext uri="{9D8B030D-6E8A-4147-A177-3AD203B41FA5}">
+                      <a16:colId xmlns:a16="http://schemas.microsoft.com/office/drawing/2014/main" val="20002"/>
+                    </a:ext>
+                  </a:extLst>
+                </a:gridCol>
+              </a:tblGrid>
+              <a:tr h="191479">
+                <a:tc>
+                  <a:txBody>
+                    <a:bodyPr/>
+                    <a:lstStyle/>
+                    <a:p>
+                      <a:r>
+                        <a:rPr lang="en-US" sz="900" dirty="0"/>
+                        <a:t>Modules</a:t>
+                      </a:r>
+                    </a:p>
+                  </a:txBody>
+                  <a:tcPr anchor="ctr"/>
+                </a:tc>
+                <a:tc>
+                  <a:txBody>
+                    <a:bodyPr/>
+                    <a:lstStyle/>
+                    <a:p>
+                      <a:pPr algn="ctr"/>
+                      <a:r>
+                        <a:rPr lang="en-US" sz="900" dirty="0"/>
+                        <a:t>(</a:t>
+                      </a:r>
+                      <a:r>
+                        <a:rPr lang="en-US" sz="900" dirty="0" err="1"/>
+                        <a:t>a+b</a:t>
+                      </a:r>
+                      <a:r>
+                        <a:rPr lang="en-US" sz="900" dirty="0"/>
+                        <a:t>)/2</a:t>
+                      </a:r>
+                    </a:p>
+                  </a:txBody>
+                  <a:tcPr anchor="ctr"/>
+                </a:tc>
+                <a:tc>
+                  <a:txBody>
+                    <a:bodyPr/>
+                    <a:lstStyle/>
+                    <a:p>
+                      <a:pPr algn="ctr"/>
+                      <a:r>
+                        <a:rPr lang="en-US" sz="900" dirty="0"/>
+                        <a:t>c/d</a:t>
+                      </a:r>
+                    </a:p>
+                  </a:txBody>
+                  <a:tcPr anchor="ctr"/>
+                </a:tc>
+                <a:extLst>
+                  <a:ext uri="{0D108BD9-81ED-4DB2-BD59-A6C34878D82A}">
+                    <a16:rowId xmlns:a16="http://schemas.microsoft.com/office/drawing/2014/main" val="1266671279"/>
+                  </a:ext>
+                </a:extLst>
+              </a:tr>
+              <a:tr h="191479">
+                <a:tc>
+                  <a:txBody>
+                    <a:bodyPr/>
+                    <a:lstStyle/>
+                    <a:p>
+                      <a:r>
+                        <a:rPr lang="en-US" sz="900" dirty="0"/>
+                        <a:t>Module 1</a:t>
+                      </a:r>
+                    </a:p>
+                  </a:txBody>
+                  <a:tcPr anchor="ctr"/>
+                </a:tc>
+                <a:tc>
+                  <a:txBody>
+                    <a:bodyPr/>
+                    <a:lstStyle/>
+                    <a:p>
+                      <a:pPr algn="ctr"/>
+                      <a:r>
+                        <a:rPr lang="en-US" sz="900" dirty="0"/>
+                        <a:t>number</a:t>
+                      </a:r>
+                    </a:p>
+                  </a:txBody>
+                  <a:tcPr anchor="ctr"/>
+                </a:tc>
+                <a:tc>
+                  <a:txBody>
+                    <a:bodyPr/>
+                    <a:lstStyle/>
+                    <a:p>
+                      <a:pPr algn="ctr"/>
+                      <a:r>
+                        <a:rPr lang="en-US" sz="900" dirty="0"/>
+                        <a:t>number</a:t>
+                      </a:r>
+                    </a:p>
+                  </a:txBody>
+                  <a:tcPr anchor="ctr"/>
+                </a:tc>
+                <a:extLst>
+                  <a:ext uri="{0D108BD9-81ED-4DB2-BD59-A6C34878D82A}">
+                    <a16:rowId xmlns:a16="http://schemas.microsoft.com/office/drawing/2014/main" val="651313564"/>
+                  </a:ext>
+                </a:extLst>
+              </a:tr>
+              <a:tr h="191479">
+                <a:tc>
+                  <a:txBody>
+                    <a:bodyPr/>
+                    <a:lstStyle/>
+                    <a:p>
+                      <a:r>
+                        <a:rPr lang="en-US" sz="900" dirty="0"/>
+                        <a:t>Module 2</a:t>
+                      </a:r>
+                    </a:p>
+                  </a:txBody>
+                  <a:tcPr anchor="ctr"/>
+                </a:tc>
+                <a:tc>
+                  <a:txBody>
+                    <a:bodyPr/>
+                    <a:lstStyle/>
+                    <a:p>
+                      <a:pPr algn="ctr"/>
+                      <a:r>
+                        <a:rPr lang="en-US" sz="900" dirty="0"/>
+                        <a:t>number</a:t>
+                      </a:r>
+                    </a:p>
+                  </a:txBody>
+                  <a:tcPr anchor="ctr"/>
+                </a:tc>
+                <a:tc>
+                  <a:txBody>
+                    <a:bodyPr/>
+                    <a:lstStyle/>
+                    <a:p>
+                      <a:pPr algn="ctr"/>
+                      <a:r>
+                        <a:rPr lang="en-US" sz="900" dirty="0"/>
+                        <a:t>number</a:t>
+                      </a:r>
+                    </a:p>
+                  </a:txBody>
+                  <a:tcPr anchor="ctr"/>
+                </a:tc>
+                <a:extLst>
+                  <a:ext uri="{0D108BD9-81ED-4DB2-BD59-A6C34878D82A}">
+                    <a16:rowId xmlns:a16="http://schemas.microsoft.com/office/drawing/2014/main" val="258950862"/>
+                  </a:ext>
+                </a:extLst>
+              </a:tr>
+              <a:tr h="191479">
+                <a:tc>
+                  <a:txBody>
+                    <a:bodyPr/>
+                    <a:lstStyle/>
+                    <a:p>
+                      <a:r>
+                        <a:rPr lang="en-US" sz="900" dirty="0"/>
+                        <a:t>Module 3</a:t>
+                      </a:r>
+                    </a:p>
+                  </a:txBody>
+                  <a:tcPr anchor="ctr"/>
+                </a:tc>
+                <a:tc>
+                  <a:txBody>
+                    <a:bodyPr/>
+                    <a:lstStyle/>
+                    <a:p>
+                      <a:pPr algn="ctr"/>
+                      <a:r>
+                        <a:rPr lang="en-US" sz="900" dirty="0"/>
+                        <a:t>number</a:t>
+                      </a:r>
+                    </a:p>
+                  </a:txBody>
+                  <a:tcPr anchor="ctr"/>
+                </a:tc>
+                <a:tc>
+                  <a:txBody>
+                    <a:bodyPr/>
+                    <a:lstStyle/>
+                    <a:p>
+                      <a:pPr algn="ctr"/>
+                      <a:r>
+                        <a:rPr lang="en-US" sz="900" dirty="0"/>
+                        <a:t>number</a:t>
+                      </a:r>
+                    </a:p>
+                  </a:txBody>
+                  <a:tcPr anchor="ctr"/>
+                </a:tc>
+                <a:extLst>
+                  <a:ext uri="{0D108BD9-81ED-4DB2-BD59-A6C34878D82A}">
+                    <a16:rowId xmlns:a16="http://schemas.microsoft.com/office/drawing/2014/main" val="396502939"/>
+                  </a:ext>
+                </a:extLst>
+              </a:tr>
+              <a:tr h="191479">
+                <a:tc>
+                  <a:txBody>
+                    <a:bodyPr/>
+                    <a:lstStyle/>
+                    <a:p>
+                      <a:r>
+                        <a:rPr lang="en-US" sz="900" dirty="0"/>
+                        <a:t>Module 4</a:t>
+                      </a:r>
+                    </a:p>
+                  </a:txBody>
+                  <a:tcPr anchor="ctr"/>
+                </a:tc>
+                <a:tc>
+                  <a:txBody>
+                    <a:bodyPr/>
+                    <a:lstStyle/>
+                    <a:p>
+                      <a:pPr algn="ctr"/>
+                      <a:r>
+                        <a:rPr lang="en-US" sz="900" dirty="0"/>
+                        <a:t>number</a:t>
+                      </a:r>
+                    </a:p>
+                  </a:txBody>
+                  <a:tcPr anchor="ctr"/>
+                </a:tc>
+                <a:tc>
+                  <a:txBody>
+                    <a:bodyPr/>
+                    <a:lstStyle/>
+                    <a:p>
+                      <a:pPr algn="ctr"/>
+                      <a:r>
+                        <a:rPr lang="en-US" sz="900" dirty="0"/>
+                        <a:t>number</a:t>
+                      </a:r>
+                    </a:p>
+                  </a:txBody>
+                  <a:tcPr anchor="ctr"/>
+                </a:tc>
+                <a:extLst>
+                  <a:ext uri="{0D108BD9-81ED-4DB2-BD59-A6C34878D82A}">
+                    <a16:rowId xmlns:a16="http://schemas.microsoft.com/office/drawing/2014/main" val="798638133"/>
+                  </a:ext>
+                </a:extLst>
+              </a:tr>
+              <a:tr h="191479">
+                <a:tc>
+                  <a:txBody>
+                    <a:bodyPr/>
+                    <a:lstStyle/>
+                    <a:p>
+                      <a:r>
+                        <a:rPr lang="en-US" sz="900" dirty="0"/>
+                        <a:t>…</a:t>
+                      </a:r>
+                    </a:p>
+                  </a:txBody>
+                  <a:tcPr anchor="ctr"/>
+                </a:tc>
+                <a:tc>
+                  <a:txBody>
+                    <a:bodyPr/>
+                    <a:lstStyle/>
+                    <a:p>
+                      <a:pPr algn="ctr"/>
+                      <a:r>
+                        <a:rPr lang="en-US" sz="900" dirty="0"/>
+                        <a:t>number</a:t>
+                      </a:r>
+                    </a:p>
+                  </a:txBody>
+                  <a:tcPr anchor="ctr"/>
+                </a:tc>
+                <a:tc>
+                  <a:txBody>
+                    <a:bodyPr/>
+                    <a:lstStyle/>
+                    <a:p>
+                      <a:pPr algn="ctr"/>
+                      <a:r>
+                        <a:rPr lang="en-US" sz="900" dirty="0"/>
+                        <a:t>number</a:t>
+                      </a:r>
+                    </a:p>
+                  </a:txBody>
+                  <a:tcPr anchor="ctr"/>
+                </a:tc>
+                <a:extLst>
+                  <a:ext uri="{0D108BD9-81ED-4DB2-BD59-A6C34878D82A}">
+                    <a16:rowId xmlns:a16="http://schemas.microsoft.com/office/drawing/2014/main" val="1160819079"/>
+                  </a:ext>
+                </a:extLst>
+              </a:tr>
+            </a:tbl>
+          </a:graphicData>
+        </a:graphic>
+      </p:graphicFrame>
+    </p:spTree>
+    <p:extLst>
+      <p:ext uri="{BB962C8B-B14F-4D97-AF65-F5344CB8AC3E}">
+        <p14:creationId xmlns:p14="http://schemas.microsoft.com/office/powerpoint/2010/main" val="704567732"/>
+      </p:ext>
+    </p:extLst>
+  </p:cSld>
+  <p:clrMapOvr>
+    <a:masterClrMapping/>
+  </p:clrMapOvr>
+</p:sld>
+</file>
+
+<file path=ppt/slides/slide14.xml><?xml version="1.0" encoding="utf-8"?>
 <p:sld xmlns:a="http://schemas.openxmlformats.org/drawingml/2006/main" xmlns:r="http://schemas.openxmlformats.org/officeDocument/2006/relationships" xmlns:p="http://schemas.openxmlformats.org/presentationml/2006/main">
   <p:cSld>
     <p:spTree>

--- a/CastReporting.Reporting/TemplatesFiles/Generic Table Definition.pptx
+++ b/CastReporting.Reporting/TemplatesFiles/Generic Table Definition.pptx
@@ -15323,8 +15323,8 @@
         </p:nvSpPr>
         <p:spPr>
           <a:xfrm>
-            <a:off x="328706" y="1333500"/>
-            <a:ext cx="11253694" cy="4351338"/>
+            <a:off x="328706" y="1333499"/>
+            <a:ext cx="11253694" cy="4790524"/>
           </a:xfrm>
         </p:spPr>
         <p:txBody>
@@ -15423,6 +15423,23 @@
               </a:rPr>
               <a:t>CRITICAL_VIOLATIONS</a:t>
             </a:r>
+          </a:p>
+          <a:p>
+            <a:r>
+              <a:rPr lang="fr-FR" dirty="0">
+                <a:solidFill>
+                  <a:srgbClr val="00B050"/>
+                </a:solidFill>
+              </a:rPr>
+              <a:t>TECHNOLOGIES</a:t>
+            </a:r>
+          </a:p>
+          <a:p>
+            <a:endParaRPr lang="fr-FR" dirty="0">
+              <a:solidFill>
+                <a:schemeClr val="accent1"/>
+              </a:solidFill>
+            </a:endParaRPr>
           </a:p>
         </p:txBody>
       </p:sp>
@@ -16991,7 +17008,7 @@
         </p:nvSpPr>
         <p:spPr>
           <a:xfrm>
-            <a:off x="586501" y="5828677"/>
+            <a:off x="258603" y="6124023"/>
             <a:ext cx="10703859" cy="447383"/>
           </a:xfrm>
           <a:prstGeom prst="rect">
@@ -17033,6 +17050,62 @@
             <a:r>
               <a:rPr lang="en-GB" dirty="0"/>
               <a:t> will be empty.</a:t>
+            </a:r>
+            <a:endParaRPr lang="en-US" dirty="0"/>
+          </a:p>
+        </p:txBody>
+      </p:sp>
+      <p:sp>
+        <p:nvSpPr>
+          <p:cNvPr id="49" name="Rectangle: Rounded Corners 48">
+            <a:extLst>
+              <a:ext uri="{FF2B5EF4-FFF2-40B4-BE49-F238E27FC236}">
+                <a16:creationId xmlns:a16="http://schemas.microsoft.com/office/drawing/2014/main" id="{D419384A-34D2-4C30-AAEF-C0BE95F66CBB}"/>
+              </a:ext>
+            </a:extLst>
+          </p:cNvPr>
+          <p:cNvSpPr/>
+          <p:nvPr/>
+        </p:nvSpPr>
+        <p:spPr>
+          <a:xfrm>
+            <a:off x="3509445" y="5607709"/>
+            <a:ext cx="1580670" cy="322080"/>
+          </a:xfrm>
+          <a:prstGeom prst="roundRect">
+            <a:avLst/>
+          </a:prstGeom>
+          <a:solidFill>
+            <a:srgbClr val="00B050"/>
+          </a:solidFill>
+          <a:ln>
+            <a:noFill/>
+          </a:ln>
+        </p:spPr>
+        <p:style>
+          <a:lnRef idx="2">
+            <a:schemeClr val="accent1">
+              <a:shade val="50000"/>
+            </a:schemeClr>
+          </a:lnRef>
+          <a:fillRef idx="1">
+            <a:schemeClr val="accent1"/>
+          </a:fillRef>
+          <a:effectRef idx="0">
+            <a:schemeClr val="accent1"/>
+          </a:effectRef>
+          <a:fontRef idx="minor">
+            <a:schemeClr val="lt1"/>
+          </a:fontRef>
+        </p:style>
+        <p:txBody>
+          <a:bodyPr rtlCol="0" anchor="ctr"/>
+          <a:lstStyle/>
+          <a:p>
+            <a:pPr algn="ctr"/>
+            <a:r>
+              <a:rPr lang="en-US" sz="1200" dirty="0"/>
+              <a:t>&lt;EXPRESSIONS&gt;</a:t>
             </a:r>
             <a:endParaRPr lang="en-US" dirty="0"/>
           </a:p>
@@ -17102,23 +17175,19 @@
         </p:nvSpPr>
         <p:spPr>
           <a:xfrm>
-            <a:off x="642730" y="1333500"/>
+            <a:off x="626165" y="1045401"/>
             <a:ext cx="10939670" cy="2480469"/>
           </a:xfrm>
         </p:spPr>
         <p:txBody>
           <a:bodyPr>
-            <a:normAutofit fontScale="77500" lnSpcReduction="20000"/>
+            <a:normAutofit fontScale="62500" lnSpcReduction="20000"/>
           </a:bodyPr>
           <a:lstStyle/>
           <a:p>
             <a:r>
-              <a:rPr lang="en-GB"/>
-              <a:t>COL 1: </a:t>
-            </a:r>
-            <a:r>
               <a:rPr lang="en-GB" dirty="0"/>
-              <a:t>1</a:t>
+              <a:t>COL 1: 1</a:t>
             </a:r>
             <a:r>
               <a:rPr lang="en-GB" baseline="30000" dirty="0"/>
@@ -17396,6 +17465,17 @@
               <a:rPr lang="en-US" dirty="0"/>
               <a:t>and “a”, “b”, “c”, “d” and “e” are values from selected axis.</a:t>
             </a:r>
+            <a:br>
+              <a:rPr lang="en-US" dirty="0"/>
+            </a:br>
+            <a:r>
+              <a:rPr lang="en-GB" dirty="0"/>
+              <a:t>For Custom expressions axis, the CUSTOM_EXPRESSIONS parameter can contains a list of custom expressions separated by ‘|’, and supplementary options are needed : PARAMS (mandatory) contains the list of parameters of the custom expression, FORMAT (optional) contains the format of the result, and of course, the parameters definition (see sample 10).</a:t>
+            </a:r>
+            <a:endParaRPr lang="en-US" dirty="0"/>
+          </a:p>
+          <a:p>
+            <a:endParaRPr lang="en-US" dirty="0"/>
           </a:p>
           <a:p>
             <a:pPr marL="0" indent="0">

--- a/CastReporting.Reporting/TemplatesFiles/Generic Table Definition.pptx
+++ b/CastReporting.Reporting/TemplatesFiles/Generic Table Definition.pptx
@@ -14687,12 +14687,7 @@
             <p:ph type="body" sz="quarter" idx="13"/>
           </p:nvPr>
         </p:nvSpPr>
-        <p:spPr>
-          <a:xfrm>
-            <a:off x="642730" y="1333500"/>
-            <a:ext cx="10688515" cy="4351338"/>
-          </a:xfrm>
-        </p:spPr>
+        <p:spPr/>
         <p:txBody>
           <a:bodyPr/>
           <a:lstStyle/>
@@ -14774,7 +14769,7 @@
           <p:nvPr>
             <p:extLst>
               <p:ext uri="{D42A27DB-BD31-4B8C-83A1-F6EECF244321}">
-                <p14:modId xmlns:p14="http://schemas.microsoft.com/office/powerpoint/2010/main" val="1323387418"/>
+                <p14:modId xmlns:p14="http://schemas.microsoft.com/office/powerpoint/2010/main" val="2885676923"/>
               </p:ext>
             </p:extLst>
           </p:nvPr>
@@ -14787,7 +14782,7 @@
           <a:graphicData uri="http://schemas.openxmlformats.org/drawingml/2006/table">
             <a:tbl>
               <a:tblPr firstRow="1" bandRow="1">
-                <a:tableStyleId>{68D230F3-CF80-4859-8CE7-A43EE81993B5}</a:tableStyleId>
+                <a:tableStyleId>{1E171933-4619-4E11-9A3F-F7608DF75F80}</a:tableStyleId>
               </a:tblPr>
               <a:tblGrid>
                 <a:gridCol w="4877955">
@@ -15431,7 +15426,7 @@
                   <a:srgbClr val="00B050"/>
                 </a:solidFill>
               </a:rPr>
-              <a:t>TECHNOLOGIES</a:t>
+              <a:t>CUSTOM_EXPRESSIONS</a:t>
             </a:r>
           </a:p>
           <a:p>
@@ -17181,7 +17176,7 @@
         </p:spPr>
         <p:txBody>
           <a:bodyPr>
-            <a:normAutofit fontScale="62500" lnSpcReduction="20000"/>
+            <a:normAutofit fontScale="55000" lnSpcReduction="20000"/>
           </a:bodyPr>
           <a:lstStyle/>
           <a:p>
@@ -17465,6 +17460,9 @@
               <a:rPr lang="en-US" dirty="0"/>
               <a:t>and “a”, “b”, “c”, “d” and “e” are values from selected axis.</a:t>
             </a:r>
+            <a:br>
+              <a:rPr lang="en-US" dirty="0"/>
+            </a:br>
             <a:br>
               <a:rPr lang="en-US" dirty="0"/>
             </a:br>
